--- a/Operating Systems_Project.pptx
+++ b/Operating Systems_Project.pptx
@@ -4,10 +4,13 @@
   <p:sldMasterIdLst>
     <p:sldMasterId id="2147483648" r:id="rId1"/>
   </p:sldMasterIdLst>
+  <p:notesMasterIdLst>
+    <p:notesMasterId r:id="rId22"/>
+  </p:notesMasterIdLst>
   <p:sldIdLst>
     <p:sldId id="256" r:id="rId2"/>
     <p:sldId id="257" r:id="rId3"/>
-    <p:sldId id="258" r:id="rId4"/>
+    <p:sldId id="275" r:id="rId4"/>
     <p:sldId id="259" r:id="rId5"/>
     <p:sldId id="260" r:id="rId6"/>
     <p:sldId id="261" r:id="rId7"/>
@@ -16,39 +19,40 @@
     <p:sldId id="263" r:id="rId10"/>
     <p:sldId id="264" r:id="rId11"/>
     <p:sldId id="265" r:id="rId12"/>
-    <p:sldId id="266" r:id="rId13"/>
-    <p:sldId id="267" r:id="rId14"/>
-    <p:sldId id="269" r:id="rId15"/>
-    <p:sldId id="268" r:id="rId16"/>
-    <p:sldId id="270" r:id="rId17"/>
-    <p:sldId id="271" r:id="rId18"/>
-    <p:sldId id="272" r:id="rId19"/>
-    <p:sldId id="273" r:id="rId20"/>
+    <p:sldId id="276" r:id="rId13"/>
+    <p:sldId id="266" r:id="rId14"/>
+    <p:sldId id="267" r:id="rId15"/>
+    <p:sldId id="269" r:id="rId16"/>
+    <p:sldId id="268" r:id="rId17"/>
+    <p:sldId id="270" r:id="rId18"/>
+    <p:sldId id="271" r:id="rId19"/>
+    <p:sldId id="272" r:id="rId20"/>
+    <p:sldId id="273" r:id="rId21"/>
   </p:sldIdLst>
   <p:sldSz cx="18288000" cy="10287000"/>
   <p:notesSz cx="6858000" cy="9144000"/>
   <p:embeddedFontLst>
     <p:embeddedFont>
       <p:font typeface="Open Sans" panose="020B0606030504020204" pitchFamily="34" charset="0"/>
-      <p:regular r:id="rId21"/>
-      <p:bold r:id="rId22"/>
-      <p:italic r:id="rId23"/>
-      <p:boldItalic r:id="rId24"/>
+      <p:regular r:id="rId23"/>
+      <p:bold r:id="rId24"/>
+      <p:italic r:id="rId25"/>
+      <p:boldItalic r:id="rId26"/>
     </p:embeddedFont>
     <p:embeddedFont>
       <p:font typeface="Open Sans Bold" panose="020B0806030504020204" charset="0"/>
-      <p:regular r:id="rId25"/>
+      <p:regular r:id="rId27"/>
     </p:embeddedFont>
     <p:embeddedFont>
       <p:font typeface="Poppins" panose="00000500000000000000" pitchFamily="2" charset="0"/>
-      <p:regular r:id="rId26"/>
-      <p:bold r:id="rId27"/>
-      <p:italic r:id="rId28"/>
-      <p:boldItalic r:id="rId29"/>
+      <p:regular r:id="rId28"/>
+      <p:bold r:id="rId29"/>
+      <p:italic r:id="rId30"/>
+      <p:boldItalic r:id="rId31"/>
     </p:embeddedFont>
     <p:embeddedFont>
       <p:font typeface="Poppins Bold" panose="00000800000000000000" charset="0"/>
-      <p:regular r:id="rId30"/>
+      <p:regular r:id="rId32"/>
     </p:embeddedFont>
   </p:embeddedFontLst>
   <p:defaultTextStyle>
@@ -168,7 +172,7 @@
 <file path=ppt/revisionInfo.xml><?xml version="1.0" encoding="utf-8"?>
 <p1510:revInfo xmlns:a="http://schemas.openxmlformats.org/drawingml/2006/main" xmlns:r="http://schemas.openxmlformats.org/officeDocument/2006/relationships" xmlns:p1510="http://schemas.microsoft.com/office/powerpoint/2015/10/main">
   <p1510:revLst>
-    <p1510:client id="{B017B98E-6FD1-4521-8F3D-06254FC40362}" v="25" dt="2025-04-28T18:48:33.184"/>
+    <p1510:client id="{B017B98E-6FD1-4521-8F3D-06254FC40362}" v="31" dt="2025-04-29T22:19:52.754"/>
   </p1510:revLst>
 </p1510:revInfo>
 </file>
@@ -178,10 +182,73 @@
   <pc:docChgLst>
     <pc:chgData name="Visesh Bentula" userId="5243385d4042bccd" providerId="LiveId" clId="{B017B98E-6FD1-4521-8F3D-06254FC40362}"/>
     <pc:docChg chg="undo redo custSel addSld delSld modSld sldOrd">
-      <pc:chgData name="Visesh Bentula" userId="5243385d4042bccd" providerId="LiveId" clId="{B017B98E-6FD1-4521-8F3D-06254FC40362}" dt="2025-04-28T18:55:05.162" v="297"/>
+      <pc:chgData name="Visesh Bentula" userId="5243385d4042bccd" providerId="LiveId" clId="{B017B98E-6FD1-4521-8F3D-06254FC40362}" dt="2025-04-30T21:57:59.140" v="412" actId="1076"/>
       <pc:docMkLst>
         <pc:docMk/>
       </pc:docMkLst>
+      <pc:sldChg chg="addSp delSp modSp add del mod">
+        <pc:chgData name="Visesh Bentula" userId="5243385d4042bccd" providerId="LiveId" clId="{B017B98E-6FD1-4521-8F3D-06254FC40362}" dt="2025-04-29T22:20:15.144" v="328" actId="47"/>
+        <pc:sldMkLst>
+          <pc:docMk/>
+          <pc:sldMk cId="0" sldId="258"/>
+        </pc:sldMkLst>
+        <pc:spChg chg="add del">
+          <ac:chgData name="Visesh Bentula" userId="5243385d4042bccd" providerId="LiveId" clId="{B017B98E-6FD1-4521-8F3D-06254FC40362}" dt="2025-04-29T22:18:51.562" v="312" actId="21"/>
+          <ac:spMkLst>
+            <pc:docMk/>
+            <pc:sldMk cId="0" sldId="258"/>
+            <ac:spMk id="2" creationId="{00000000-0000-0000-0000-000000000000}"/>
+          </ac:spMkLst>
+        </pc:spChg>
+        <pc:spChg chg="mod">
+          <ac:chgData name="Visesh Bentula" userId="5243385d4042bccd" providerId="LiveId" clId="{B017B98E-6FD1-4521-8F3D-06254FC40362}" dt="2025-04-29T22:19:05.566" v="314" actId="1076"/>
+          <ac:spMkLst>
+            <pc:docMk/>
+            <pc:sldMk cId="0" sldId="258"/>
+            <ac:spMk id="4" creationId="{00000000-0000-0000-0000-000000000000}"/>
+          </ac:spMkLst>
+        </pc:spChg>
+        <pc:spChg chg="add del">
+          <ac:chgData name="Visesh Bentula" userId="5243385d4042bccd" providerId="LiveId" clId="{B017B98E-6FD1-4521-8F3D-06254FC40362}" dt="2025-04-29T22:18:51.562" v="312" actId="21"/>
+          <ac:spMkLst>
+            <pc:docMk/>
+            <pc:sldMk cId="0" sldId="258"/>
+            <ac:spMk id="9" creationId="{00000000-0000-0000-0000-000000000000}"/>
+          </ac:spMkLst>
+        </pc:spChg>
+        <pc:spChg chg="add del">
+          <ac:chgData name="Visesh Bentula" userId="5243385d4042bccd" providerId="LiveId" clId="{B017B98E-6FD1-4521-8F3D-06254FC40362}" dt="2025-04-29T22:18:51.562" v="312" actId="21"/>
+          <ac:spMkLst>
+            <pc:docMk/>
+            <pc:sldMk cId="0" sldId="258"/>
+            <ac:spMk id="10" creationId="{00000000-0000-0000-0000-000000000000}"/>
+          </ac:spMkLst>
+        </pc:spChg>
+        <pc:spChg chg="add del">
+          <ac:chgData name="Visesh Bentula" userId="5243385d4042bccd" providerId="LiveId" clId="{B017B98E-6FD1-4521-8F3D-06254FC40362}" dt="2025-04-29T22:18:51.562" v="312" actId="21"/>
+          <ac:spMkLst>
+            <pc:docMk/>
+            <pc:sldMk cId="0" sldId="258"/>
+            <ac:spMk id="11" creationId="{00000000-0000-0000-0000-000000000000}"/>
+          </ac:spMkLst>
+        </pc:spChg>
+        <pc:grpChg chg="add del">
+          <ac:chgData name="Visesh Bentula" userId="5243385d4042bccd" providerId="LiveId" clId="{B017B98E-6FD1-4521-8F3D-06254FC40362}" dt="2025-04-29T22:18:51.562" v="312" actId="21"/>
+          <ac:grpSpMkLst>
+            <pc:docMk/>
+            <pc:sldMk cId="0" sldId="258"/>
+            <ac:grpSpMk id="3" creationId="{00000000-0000-0000-0000-000000000000}"/>
+          </ac:grpSpMkLst>
+        </pc:grpChg>
+        <pc:grpChg chg="add del">
+          <ac:chgData name="Visesh Bentula" userId="5243385d4042bccd" providerId="LiveId" clId="{B017B98E-6FD1-4521-8F3D-06254FC40362}" dt="2025-04-29T22:18:51.562" v="312" actId="21"/>
+          <ac:grpSpMkLst>
+            <pc:docMk/>
+            <pc:sldMk cId="0" sldId="258"/>
+            <ac:grpSpMk id="6" creationId="{00000000-0000-0000-0000-000000000000}"/>
+          </ac:grpSpMkLst>
+        </pc:grpChg>
+      </pc:sldChg>
       <pc:sldChg chg="modSp mod">
         <pc:chgData name="Visesh Bentula" userId="5243385d4042bccd" providerId="LiveId" clId="{B017B98E-6FD1-4521-8F3D-06254FC40362}" dt="2025-04-28T18:50:23.255" v="289" actId="14100"/>
         <pc:sldMkLst>
@@ -206,27 +273,66 @@
         </pc:spChg>
       </pc:sldChg>
       <pc:sldChg chg="addSp delSp modSp mod">
+        <pc:chgData name="Visesh Bentula" userId="5243385d4042bccd" providerId="LiveId" clId="{B017B98E-6FD1-4521-8F3D-06254FC40362}" dt="2025-04-30T21:56:51.697" v="400" actId="21"/>
+        <pc:sldMkLst>
+          <pc:docMk/>
+          <pc:sldMk cId="0" sldId="265"/>
+        </pc:sldMkLst>
+        <pc:spChg chg="add del mod topLvl">
+          <ac:chgData name="Visesh Bentula" userId="5243385d4042bccd" providerId="LiveId" clId="{B017B98E-6FD1-4521-8F3D-06254FC40362}" dt="2025-04-30T21:56:51.468" v="399" actId="21"/>
+          <ac:spMkLst>
+            <pc:docMk/>
+            <pc:sldMk cId="0" sldId="265"/>
+            <ac:spMk id="17" creationId="{00000000-0000-0000-0000-000000000000}"/>
+          </ac:spMkLst>
+        </pc:spChg>
+        <pc:spChg chg="add del mod topLvl">
+          <ac:chgData name="Visesh Bentula" userId="5243385d4042bccd" providerId="LiveId" clId="{B017B98E-6FD1-4521-8F3D-06254FC40362}" dt="2025-04-30T21:56:51.468" v="399" actId="21"/>
+          <ac:spMkLst>
+            <pc:docMk/>
+            <pc:sldMk cId="0" sldId="265"/>
+            <ac:spMk id="18" creationId="{00000000-0000-0000-0000-000000000000}"/>
+          </ac:spMkLst>
+        </pc:spChg>
+        <pc:grpChg chg="add del">
+          <ac:chgData name="Visesh Bentula" userId="5243385d4042bccd" providerId="LiveId" clId="{B017B98E-6FD1-4521-8F3D-06254FC40362}" dt="2025-04-30T21:56:50.718" v="397" actId="21"/>
+          <ac:grpSpMkLst>
+            <pc:docMk/>
+            <pc:sldMk cId="0" sldId="265"/>
+            <ac:grpSpMk id="10" creationId="{00000000-0000-0000-0000-000000000000}"/>
+          </ac:grpSpMkLst>
+        </pc:grpChg>
+        <pc:grpChg chg="add del">
+          <ac:chgData name="Visesh Bentula" userId="5243385d4042bccd" providerId="LiveId" clId="{B017B98E-6FD1-4521-8F3D-06254FC40362}" dt="2025-04-30T21:56:51.697" v="400" actId="21"/>
+          <ac:grpSpMkLst>
+            <pc:docMk/>
+            <pc:sldMk cId="0" sldId="265"/>
+            <ac:grpSpMk id="13" creationId="{00000000-0000-0000-0000-000000000000}"/>
+          </ac:grpSpMkLst>
+        </pc:grpChg>
+        <pc:grpChg chg="add del">
+          <ac:chgData name="Visesh Bentula" userId="5243385d4042bccd" providerId="LiveId" clId="{B017B98E-6FD1-4521-8F3D-06254FC40362}" dt="2025-04-30T21:56:51.468" v="399" actId="21"/>
+          <ac:grpSpMkLst>
+            <pc:docMk/>
+            <pc:sldMk cId="0" sldId="265"/>
+            <ac:grpSpMk id="16" creationId="{00000000-0000-0000-0000-000000000000}"/>
+          </ac:grpSpMkLst>
+        </pc:grpChg>
+        <pc:picChg chg="add del mod">
+          <ac:chgData name="Visesh Bentula" userId="5243385d4042bccd" providerId="LiveId" clId="{B017B98E-6FD1-4521-8F3D-06254FC40362}" dt="2025-04-30T21:56:50.314" v="396" actId="22"/>
+          <ac:picMkLst>
+            <pc:docMk/>
+            <pc:sldMk cId="0" sldId="265"/>
+            <ac:picMk id="30" creationId="{642C6D82-E4B3-DE8F-22F9-D271272F9A15}"/>
+          </ac:picMkLst>
+        </pc:picChg>
+      </pc:sldChg>
+      <pc:sldChg chg="addSp delSp modSp mod">
         <pc:chgData name="Visesh Bentula" userId="5243385d4042bccd" providerId="LiveId" clId="{B017B98E-6FD1-4521-8F3D-06254FC40362}" dt="2025-04-28T18:45:31.971" v="212" actId="14100"/>
         <pc:sldMkLst>
           <pc:docMk/>
           <pc:sldMk cId="0" sldId="266"/>
         </pc:sldMkLst>
-        <pc:spChg chg="del">
-          <ac:chgData name="Visesh Bentula" userId="5243385d4042bccd" providerId="LiveId" clId="{B017B98E-6FD1-4521-8F3D-06254FC40362}" dt="2025-04-28T18:28:26.069" v="34" actId="478"/>
-          <ac:spMkLst>
-            <pc:docMk/>
-            <pc:sldMk cId="0" sldId="266"/>
-            <ac:spMk id="6" creationId="{00000000-0000-0000-0000-000000000000}"/>
-          </ac:spMkLst>
-        </pc:spChg>
-        <pc:spChg chg="del">
-          <ac:chgData name="Visesh Bentula" userId="5243385d4042bccd" providerId="LiveId" clId="{B017B98E-6FD1-4521-8F3D-06254FC40362}" dt="2025-04-28T18:28:56.645" v="40" actId="478"/>
-          <ac:spMkLst>
-            <pc:docMk/>
-            <pc:sldMk cId="0" sldId="266"/>
-            <ac:spMk id="7" creationId="{00000000-0000-0000-0000-000000000000}"/>
-          </ac:spMkLst>
-        </pc:spChg>
         <pc:spChg chg="mod">
           <ac:chgData name="Visesh Bentula" userId="5243385d4042bccd" providerId="LiveId" clId="{B017B98E-6FD1-4521-8F3D-06254FC40362}" dt="2025-04-28T16:41:12.865" v="10" actId="1076"/>
           <ac:spMkLst>
@@ -253,29 +359,13 @@
         </pc:picChg>
       </pc:sldChg>
       <pc:sldChg chg="addSp delSp modSp mod">
-        <pc:chgData name="Visesh Bentula" userId="5243385d4042bccd" providerId="LiveId" clId="{B017B98E-6FD1-4521-8F3D-06254FC40362}" dt="2025-04-28T18:40:14.764" v="129" actId="1076"/>
+        <pc:chgData name="Visesh Bentula" userId="5243385d4042bccd" providerId="LiveId" clId="{B017B98E-6FD1-4521-8F3D-06254FC40362}" dt="2025-04-30T20:57:05.254" v="333" actId="1035"/>
         <pc:sldMkLst>
           <pc:docMk/>
           <pc:sldMk cId="0" sldId="267"/>
         </pc:sldMkLst>
-        <pc:spChg chg="del mod">
-          <ac:chgData name="Visesh Bentula" userId="5243385d4042bccd" providerId="LiveId" clId="{B017B98E-6FD1-4521-8F3D-06254FC40362}" dt="2025-04-28T18:30:08.991" v="53" actId="478"/>
-          <ac:spMkLst>
-            <pc:docMk/>
-            <pc:sldMk cId="0" sldId="267"/>
-            <ac:spMk id="6" creationId="{00000000-0000-0000-0000-000000000000}"/>
-          </ac:spMkLst>
-        </pc:spChg>
-        <pc:spChg chg="del mod">
-          <ac:chgData name="Visesh Bentula" userId="5243385d4042bccd" providerId="LiveId" clId="{B017B98E-6FD1-4521-8F3D-06254FC40362}" dt="2025-04-28T18:29:53.332" v="51" actId="478"/>
-          <ac:spMkLst>
-            <pc:docMk/>
-            <pc:sldMk cId="0" sldId="267"/>
-            <ac:spMk id="7" creationId="{00000000-0000-0000-0000-000000000000}"/>
-          </ac:spMkLst>
-        </pc:spChg>
         <pc:spChg chg="mod">
-          <ac:chgData name="Visesh Bentula" userId="5243385d4042bccd" providerId="LiveId" clId="{B017B98E-6FD1-4521-8F3D-06254FC40362}" dt="2025-04-28T18:40:02.904" v="127" actId="1076"/>
+          <ac:chgData name="Visesh Bentula" userId="5243385d4042bccd" providerId="LiveId" clId="{B017B98E-6FD1-4521-8F3D-06254FC40362}" dt="2025-04-30T20:56:24.748" v="332" actId="255"/>
           <ac:spMkLst>
             <pc:docMk/>
             <pc:sldMk cId="0" sldId="267"/>
@@ -298,48 +388,8 @@
             <ac:spMk id="10" creationId="{00000000-0000-0000-0000-000000000000}"/>
           </ac:spMkLst>
         </pc:spChg>
-        <pc:spChg chg="add">
-          <ac:chgData name="Visesh Bentula" userId="5243385d4042bccd" providerId="LiveId" clId="{B017B98E-6FD1-4521-8F3D-06254FC40362}" dt="2025-04-28T18:37:02.917" v="93"/>
-          <ac:spMkLst>
-            <pc:docMk/>
-            <pc:sldMk cId="0" sldId="267"/>
-            <ac:spMk id="15" creationId="{D46EDDC7-5357-CE00-F26F-C80521AD1653}"/>
-          </ac:spMkLst>
-        </pc:spChg>
-        <pc:spChg chg="add">
-          <ac:chgData name="Visesh Bentula" userId="5243385d4042bccd" providerId="LiveId" clId="{B017B98E-6FD1-4521-8F3D-06254FC40362}" dt="2025-04-28T18:37:06.114" v="94"/>
-          <ac:spMkLst>
-            <pc:docMk/>
-            <pc:sldMk cId="0" sldId="267"/>
-            <ac:spMk id="16" creationId="{181D211F-BF2D-5840-5062-7C0593EB13B7}"/>
-          </ac:spMkLst>
-        </pc:spChg>
-        <pc:spChg chg="add mod">
-          <ac:chgData name="Visesh Bentula" userId="5243385d4042bccd" providerId="LiveId" clId="{B017B98E-6FD1-4521-8F3D-06254FC40362}" dt="2025-04-28T18:38:27.809" v="101" actId="1076"/>
-          <ac:spMkLst>
-            <pc:docMk/>
-            <pc:sldMk cId="0" sldId="267"/>
-            <ac:spMk id="17" creationId="{66202E28-CDB2-6376-264D-3109A242E441}"/>
-          </ac:spMkLst>
-        </pc:spChg>
-        <pc:spChg chg="add mod">
-          <ac:chgData name="Visesh Bentula" userId="5243385d4042bccd" providerId="LiveId" clId="{B017B98E-6FD1-4521-8F3D-06254FC40362}" dt="2025-04-28T18:38:44.421" v="107"/>
-          <ac:spMkLst>
-            <pc:docMk/>
-            <pc:sldMk cId="0" sldId="267"/>
-            <ac:spMk id="18" creationId="{64034D96-8129-9A1D-F48B-78F7C633E45A}"/>
-          </ac:spMkLst>
-        </pc:spChg>
-        <pc:spChg chg="add mod">
-          <ac:chgData name="Visesh Bentula" userId="5243385d4042bccd" providerId="LiveId" clId="{B017B98E-6FD1-4521-8F3D-06254FC40362}" dt="2025-04-28T18:38:58.026" v="112" actId="21"/>
-          <ac:spMkLst>
-            <pc:docMk/>
-            <pc:sldMk cId="0" sldId="267"/>
-            <ac:spMk id="19" creationId="{3A49E0BC-B9D4-FF26-FA77-A007600BEA16}"/>
-          </ac:spMkLst>
-        </pc:spChg>
         <pc:grpChg chg="mod">
-          <ac:chgData name="Visesh Bentula" userId="5243385d4042bccd" providerId="LiveId" clId="{B017B98E-6FD1-4521-8F3D-06254FC40362}" dt="2025-04-28T16:42:04.628" v="18" actId="1076"/>
+          <ac:chgData name="Visesh Bentula" userId="5243385d4042bccd" providerId="LiveId" clId="{B017B98E-6FD1-4521-8F3D-06254FC40362}" dt="2025-04-30T20:57:05.254" v="333" actId="1035"/>
           <ac:grpSpMkLst>
             <pc:docMk/>
             <pc:sldMk cId="0" sldId="267"/>
@@ -369,22 +419,6 @@
           <pc:docMk/>
           <pc:sldMk cId="0" sldId="268"/>
         </pc:sldMkLst>
-        <pc:spChg chg="del mod">
-          <ac:chgData name="Visesh Bentula" userId="5243385d4042bccd" providerId="LiveId" clId="{B017B98E-6FD1-4521-8F3D-06254FC40362}" dt="2025-04-28T18:30:44.508" v="60" actId="478"/>
-          <ac:spMkLst>
-            <pc:docMk/>
-            <pc:sldMk cId="0" sldId="268"/>
-            <ac:spMk id="6" creationId="{00000000-0000-0000-0000-000000000000}"/>
-          </ac:spMkLst>
-        </pc:spChg>
-        <pc:spChg chg="del mod">
-          <ac:chgData name="Visesh Bentula" userId="5243385d4042bccd" providerId="LiveId" clId="{B017B98E-6FD1-4521-8F3D-06254FC40362}" dt="2025-04-28T18:31:01.931" v="64" actId="478"/>
-          <ac:spMkLst>
-            <pc:docMk/>
-            <pc:sldMk cId="0" sldId="268"/>
-            <ac:spMk id="7" creationId="{00000000-0000-0000-0000-000000000000}"/>
-          </ac:spMkLst>
-        </pc:spChg>
         <pc:spChg chg="mod">
           <ac:chgData name="Visesh Bentula" userId="5243385d4042bccd" providerId="LiveId" clId="{B017B98E-6FD1-4521-8F3D-06254FC40362}" dt="2025-04-28T16:43:10.877" v="29" actId="1076"/>
           <ac:spMkLst>
@@ -448,22 +482,6 @@
           <pc:docMk/>
           <pc:sldMk cId="0" sldId="269"/>
         </pc:sldMkLst>
-        <pc:spChg chg="del mod">
-          <ac:chgData name="Visesh Bentula" userId="5243385d4042bccd" providerId="LiveId" clId="{B017B98E-6FD1-4521-8F3D-06254FC40362}" dt="2025-04-28T18:32:56.504" v="81" actId="478"/>
-          <ac:spMkLst>
-            <pc:docMk/>
-            <pc:sldMk cId="0" sldId="269"/>
-            <ac:spMk id="6" creationId="{00000000-0000-0000-0000-000000000000}"/>
-          </ac:spMkLst>
-        </pc:spChg>
-        <pc:spChg chg="del mod">
-          <ac:chgData name="Visesh Bentula" userId="5243385d4042bccd" providerId="LiveId" clId="{B017B98E-6FD1-4521-8F3D-06254FC40362}" dt="2025-04-28T18:31:59.819" v="74" actId="478"/>
-          <ac:spMkLst>
-            <pc:docMk/>
-            <pc:sldMk cId="0" sldId="269"/>
-            <ac:spMk id="7" creationId="{00000000-0000-0000-0000-000000000000}"/>
-          </ac:spMkLst>
-        </pc:spChg>
         <pc:spChg chg="mod">
           <ac:chgData name="Visesh Bentula" userId="5243385d4042bccd" providerId="LiveId" clId="{B017B98E-6FD1-4521-8F3D-06254FC40362}" dt="2025-04-28T16:43:26.288" v="31" actId="1076"/>
           <ac:spMkLst>
@@ -486,22 +504,6 @@
             <pc:docMk/>
             <pc:sldMk cId="0" sldId="269"/>
             <ac:spMk id="10" creationId="{00000000-0000-0000-0000-000000000000}"/>
-          </ac:spMkLst>
-        </pc:spChg>
-        <pc:spChg chg="add del mod">
-          <ac:chgData name="Visesh Bentula" userId="5243385d4042bccd" providerId="LiveId" clId="{B017B98E-6FD1-4521-8F3D-06254FC40362}" dt="2025-04-28T18:41:19.998" v="157" actId="21"/>
-          <ac:spMkLst>
-            <pc:docMk/>
-            <pc:sldMk cId="0" sldId="269"/>
-            <ac:spMk id="15" creationId="{3C3F0A23-56C0-9ABD-7740-8F89B3FDF39A}"/>
-          </ac:spMkLst>
-        </pc:spChg>
-        <pc:spChg chg="add del mod">
-          <ac:chgData name="Visesh Bentula" userId="5243385d4042bccd" providerId="LiveId" clId="{B017B98E-6FD1-4521-8F3D-06254FC40362}" dt="2025-04-28T18:41:17.158" v="150" actId="22"/>
-          <ac:spMkLst>
-            <pc:docMk/>
-            <pc:sldMk cId="0" sldId="269"/>
-            <ac:spMk id="17" creationId="{4D8E53DD-D6F5-7D33-63B9-B9312F38DE69}"/>
           </ac:spMkLst>
         </pc:spChg>
         <pc:grpChg chg="mod">
@@ -529,92 +531,27 @@
           </ac:picMkLst>
         </pc:picChg>
       </pc:sldChg>
+      <pc:sldChg chg="addSp modSp mod">
+        <pc:chgData name="Visesh Bentula" userId="5243385d4042bccd" providerId="LiveId" clId="{B017B98E-6FD1-4521-8F3D-06254FC40362}" dt="2025-04-28T19:16:28.710" v="300" actId="20577"/>
+        <pc:sldMkLst>
+          <pc:docMk/>
+          <pc:sldMk cId="0" sldId="273"/>
+        </pc:sldMkLst>
+        <pc:spChg chg="add mod">
+          <ac:chgData name="Visesh Bentula" userId="5243385d4042bccd" providerId="LiveId" clId="{B017B98E-6FD1-4521-8F3D-06254FC40362}" dt="2025-04-28T19:16:28.710" v="300" actId="20577"/>
+          <ac:spMkLst>
+            <pc:docMk/>
+            <pc:sldMk cId="0" sldId="273"/>
+            <ac:spMk id="7" creationId="{2FA6B8DB-D101-42AC-F056-6C9BAAB842A4}"/>
+          </ac:spMkLst>
+        </pc:spChg>
+      </pc:sldChg>
       <pc:sldChg chg="addSp delSp add del mod">
         <pc:chgData name="Visesh Bentula" userId="5243385d4042bccd" providerId="LiveId" clId="{B017B98E-6FD1-4521-8F3D-06254FC40362}" dt="2025-04-28T18:47:40.003" v="225" actId="2890"/>
         <pc:sldMkLst>
           <pc:docMk/>
           <pc:sldMk cId="3073285278" sldId="274"/>
         </pc:sldMkLst>
-        <pc:spChg chg="add del">
-          <ac:chgData name="Visesh Bentula" userId="5243385d4042bccd" providerId="LiveId" clId="{B017B98E-6FD1-4521-8F3D-06254FC40362}" dt="2025-04-28T18:47:17.124" v="218" actId="478"/>
-          <ac:spMkLst>
-            <pc:docMk/>
-            <pc:sldMk cId="3073285278" sldId="274"/>
-            <ac:spMk id="2" creationId="{9BDFD6F3-4219-3DE7-BF74-C4650117569F}"/>
-          </ac:spMkLst>
-        </pc:spChg>
-        <pc:spChg chg="add del">
-          <ac:chgData name="Visesh Bentula" userId="5243385d4042bccd" providerId="LiveId" clId="{B017B98E-6FD1-4521-8F3D-06254FC40362}" dt="2025-04-28T18:47:17.124" v="218" actId="478"/>
-          <ac:spMkLst>
-            <pc:docMk/>
-            <pc:sldMk cId="3073285278" sldId="274"/>
-            <ac:spMk id="12" creationId="{9DC2B0D1-DF63-053A-40CE-9F622B760DA7}"/>
-          </ac:spMkLst>
-        </pc:spChg>
-        <pc:spChg chg="add del">
-          <ac:chgData name="Visesh Bentula" userId="5243385d4042bccd" providerId="LiveId" clId="{B017B98E-6FD1-4521-8F3D-06254FC40362}" dt="2025-04-28T18:47:39.674" v="224" actId="478"/>
-          <ac:spMkLst>
-            <pc:docMk/>
-            <pc:sldMk cId="3073285278" sldId="274"/>
-            <ac:spMk id="13" creationId="{939464A7-C562-1F36-A9E6-6A8C09F1F04E}"/>
-          </ac:spMkLst>
-        </pc:spChg>
-        <pc:spChg chg="add del">
-          <ac:chgData name="Visesh Bentula" userId="5243385d4042bccd" providerId="LiveId" clId="{B017B98E-6FD1-4521-8F3D-06254FC40362}" dt="2025-04-28T18:47:39.301" v="223" actId="478"/>
-          <ac:spMkLst>
-            <pc:docMk/>
-            <pc:sldMk cId="3073285278" sldId="274"/>
-            <ac:spMk id="17" creationId="{65C937F6-C403-F327-5112-ED9EF1698A8A}"/>
-          </ac:spMkLst>
-        </pc:spChg>
-        <pc:spChg chg="add del">
-          <ac:chgData name="Visesh Bentula" userId="5243385d4042bccd" providerId="LiveId" clId="{B017B98E-6FD1-4521-8F3D-06254FC40362}" dt="2025-04-28T18:47:38.676" v="222" actId="478"/>
-          <ac:spMkLst>
-            <pc:docMk/>
-            <pc:sldMk cId="3073285278" sldId="274"/>
-            <ac:spMk id="21" creationId="{AFD4B0B3-19B7-B0E0-CEB7-F3A7E9E2B3C2}"/>
-          </ac:spMkLst>
-        </pc:spChg>
-        <pc:grpChg chg="add del">
-          <ac:chgData name="Visesh Bentula" userId="5243385d4042bccd" providerId="LiveId" clId="{B017B98E-6FD1-4521-8F3D-06254FC40362}" dt="2025-04-28T18:47:17.124" v="218" actId="478"/>
-          <ac:grpSpMkLst>
-            <pc:docMk/>
-            <pc:sldMk cId="3073285278" sldId="274"/>
-            <ac:grpSpMk id="3" creationId="{562675B4-9198-6FC1-7525-D670AF4599E6}"/>
-          </ac:grpSpMkLst>
-        </pc:grpChg>
-        <pc:grpChg chg="add del">
-          <ac:chgData name="Visesh Bentula" userId="5243385d4042bccd" providerId="LiveId" clId="{B017B98E-6FD1-4521-8F3D-06254FC40362}" dt="2025-04-28T18:47:17.124" v="218" actId="478"/>
-          <ac:grpSpMkLst>
-            <pc:docMk/>
-            <pc:sldMk cId="3073285278" sldId="274"/>
-            <ac:grpSpMk id="6" creationId="{3548A103-BA97-0524-3FDB-2D2F37D0746C}"/>
-          </ac:grpSpMkLst>
-        </pc:grpChg>
-        <pc:grpChg chg="add del">
-          <ac:chgData name="Visesh Bentula" userId="5243385d4042bccd" providerId="LiveId" clId="{B017B98E-6FD1-4521-8F3D-06254FC40362}" dt="2025-04-28T18:47:17.124" v="218" actId="478"/>
-          <ac:grpSpMkLst>
-            <pc:docMk/>
-            <pc:sldMk cId="3073285278" sldId="274"/>
-            <ac:grpSpMk id="9" creationId="{2901B277-427D-63FC-4C95-5E3FB6BCCE34}"/>
-          </ac:grpSpMkLst>
-        </pc:grpChg>
-        <pc:grpChg chg="add del">
-          <ac:chgData name="Visesh Bentula" userId="5243385d4042bccd" providerId="LiveId" clId="{B017B98E-6FD1-4521-8F3D-06254FC40362}" dt="2025-04-28T18:47:17.124" v="218" actId="478"/>
-          <ac:grpSpMkLst>
-            <pc:docMk/>
-            <pc:sldMk cId="3073285278" sldId="274"/>
-            <ac:grpSpMk id="14" creationId="{9C7F39A7-E0DC-CC43-06E2-920E7A195098}"/>
-          </ac:grpSpMkLst>
-        </pc:grpChg>
-        <pc:grpChg chg="add del">
-          <ac:chgData name="Visesh Bentula" userId="5243385d4042bccd" providerId="LiveId" clId="{B017B98E-6FD1-4521-8F3D-06254FC40362}" dt="2025-04-28T18:47:17.124" v="218" actId="478"/>
-          <ac:grpSpMkLst>
-            <pc:docMk/>
-            <pc:sldMk cId="3073285278" sldId="274"/>
-            <ac:grpSpMk id="18" creationId="{869F610E-A785-928F-08D5-B6EE232ED8D1}"/>
-          </ac:grpSpMkLst>
-        </pc:grpChg>
       </pc:sldChg>
       <pc:sldChg chg="addSp delSp modSp add mod">
         <pc:chgData name="Visesh Bentula" userId="5243385d4042bccd" providerId="LiveId" clId="{B017B98E-6FD1-4521-8F3D-06254FC40362}" dt="2025-04-28T18:51:12.823" v="295" actId="20577"/>
@@ -638,14 +575,6 @@
             <ac:spMk id="8" creationId="{5A3A21B3-1F81-F48A-4DCE-92B146570B32}"/>
           </ac:spMkLst>
         </pc:spChg>
-        <pc:spChg chg="add del mod">
-          <ac:chgData name="Visesh Bentula" userId="5243385d4042bccd" providerId="LiveId" clId="{B017B98E-6FD1-4521-8F3D-06254FC40362}" dt="2025-04-28T18:50:00.158" v="288"/>
-          <ac:spMkLst>
-            <pc:docMk/>
-            <pc:sldMk cId="3789737266" sldId="274"/>
-            <ac:spMk id="10" creationId="{1E312978-8D29-9785-290B-4A560F0CFA15}"/>
-          </ac:spMkLst>
-        </pc:spChg>
         <pc:grpChg chg="mod">
           <ac:chgData name="Visesh Bentula" userId="5243385d4042bccd" providerId="LiveId" clId="{B017B98E-6FD1-4521-8F3D-06254FC40362}" dt="2025-04-28T18:50:36.361" v="291" actId="1076"/>
           <ac:grpSpMkLst>
@@ -663,9 +592,555 @@
           </ac:grpSpMkLst>
         </pc:grpChg>
       </pc:sldChg>
+      <pc:sldChg chg="addSp modSp add del mod ord">
+        <pc:chgData name="Visesh Bentula" userId="5243385d4042bccd" providerId="LiveId" clId="{B017B98E-6FD1-4521-8F3D-06254FC40362}" dt="2025-04-29T22:18:50.119" v="311" actId="2890"/>
+        <pc:sldMkLst>
+          <pc:docMk/>
+          <pc:sldMk cId="1786889210" sldId="275"/>
+        </pc:sldMkLst>
+        <pc:spChg chg="add mod">
+          <ac:chgData name="Visesh Bentula" userId="5243385d4042bccd" providerId="LiveId" clId="{B017B98E-6FD1-4521-8F3D-06254FC40362}" dt="2025-04-29T22:18:23.077" v="305"/>
+          <ac:spMkLst>
+            <pc:docMk/>
+            <pc:sldMk cId="1786889210" sldId="275"/>
+            <ac:spMk id="9" creationId="{00000000-0000-0000-0000-000000000000}"/>
+          </ac:spMkLst>
+        </pc:spChg>
+        <pc:spChg chg="mod">
+          <ac:chgData name="Visesh Bentula" userId="5243385d4042bccd" providerId="LiveId" clId="{B017B98E-6FD1-4521-8F3D-06254FC40362}" dt="2025-04-29T22:18:23.077" v="305"/>
+          <ac:spMkLst>
+            <pc:docMk/>
+            <pc:sldMk cId="1786889210" sldId="275"/>
+            <ac:spMk id="11" creationId="{00000000-0000-0000-0000-000000000000}"/>
+          </ac:spMkLst>
+        </pc:spChg>
+        <pc:spChg chg="mod">
+          <ac:chgData name="Visesh Bentula" userId="5243385d4042bccd" providerId="LiveId" clId="{B017B98E-6FD1-4521-8F3D-06254FC40362}" dt="2025-04-29T22:18:23.077" v="305"/>
+          <ac:spMkLst>
+            <pc:docMk/>
+            <pc:sldMk cId="1786889210" sldId="275"/>
+            <ac:spMk id="12" creationId="{00000000-0000-0000-0000-000000000000}"/>
+          </ac:spMkLst>
+        </pc:spChg>
+        <pc:spChg chg="mod">
+          <ac:chgData name="Visesh Bentula" userId="5243385d4042bccd" providerId="LiveId" clId="{B017B98E-6FD1-4521-8F3D-06254FC40362}" dt="2025-04-29T22:18:23.077" v="305"/>
+          <ac:spMkLst>
+            <pc:docMk/>
+            <pc:sldMk cId="1786889210" sldId="275"/>
+            <ac:spMk id="14" creationId="{00000000-0000-0000-0000-000000000000}"/>
+          </ac:spMkLst>
+        </pc:spChg>
+        <pc:spChg chg="mod">
+          <ac:chgData name="Visesh Bentula" userId="5243385d4042bccd" providerId="LiveId" clId="{B017B98E-6FD1-4521-8F3D-06254FC40362}" dt="2025-04-29T22:18:23.077" v="305"/>
+          <ac:spMkLst>
+            <pc:docMk/>
+            <pc:sldMk cId="1786889210" sldId="275"/>
+            <ac:spMk id="15" creationId="{00000000-0000-0000-0000-000000000000}"/>
+          </ac:spMkLst>
+        </pc:spChg>
+        <pc:spChg chg="add mod">
+          <ac:chgData name="Visesh Bentula" userId="5243385d4042bccd" providerId="LiveId" clId="{B017B98E-6FD1-4521-8F3D-06254FC40362}" dt="2025-04-29T22:18:23.077" v="305"/>
+          <ac:spMkLst>
+            <pc:docMk/>
+            <pc:sldMk cId="1786889210" sldId="275"/>
+            <ac:spMk id="16" creationId="{00000000-0000-0000-0000-000000000000}"/>
+          </ac:spMkLst>
+        </pc:spChg>
+        <pc:spChg chg="add mod">
+          <ac:chgData name="Visesh Bentula" userId="5243385d4042bccd" providerId="LiveId" clId="{B017B98E-6FD1-4521-8F3D-06254FC40362}" dt="2025-04-29T22:18:23.077" v="305"/>
+          <ac:spMkLst>
+            <pc:docMk/>
+            <pc:sldMk cId="1786889210" sldId="275"/>
+            <ac:spMk id="17" creationId="{00000000-0000-0000-0000-000000000000}"/>
+          </ac:spMkLst>
+        </pc:spChg>
+        <pc:spChg chg="add mod">
+          <ac:chgData name="Visesh Bentula" userId="5243385d4042bccd" providerId="LiveId" clId="{B017B98E-6FD1-4521-8F3D-06254FC40362}" dt="2025-04-29T22:18:23.077" v="305"/>
+          <ac:spMkLst>
+            <pc:docMk/>
+            <pc:sldMk cId="1786889210" sldId="275"/>
+            <ac:spMk id="18" creationId="{00000000-0000-0000-0000-000000000000}"/>
+          </ac:spMkLst>
+        </pc:spChg>
+        <pc:grpChg chg="add mod">
+          <ac:chgData name="Visesh Bentula" userId="5243385d4042bccd" providerId="LiveId" clId="{B017B98E-6FD1-4521-8F3D-06254FC40362}" dt="2025-04-29T22:18:40.795" v="308" actId="1076"/>
+          <ac:grpSpMkLst>
+            <pc:docMk/>
+            <pc:sldMk cId="1786889210" sldId="275"/>
+            <ac:grpSpMk id="10" creationId="{00000000-0000-0000-0000-000000000000}"/>
+          </ac:grpSpMkLst>
+        </pc:grpChg>
+        <pc:grpChg chg="add mod">
+          <ac:chgData name="Visesh Bentula" userId="5243385d4042bccd" providerId="LiveId" clId="{B017B98E-6FD1-4521-8F3D-06254FC40362}" dt="2025-04-29T22:18:23.077" v="305"/>
+          <ac:grpSpMkLst>
+            <pc:docMk/>
+            <pc:sldMk cId="1786889210" sldId="275"/>
+            <ac:grpSpMk id="13" creationId="{00000000-0000-0000-0000-000000000000}"/>
+          </ac:grpSpMkLst>
+        </pc:grpChg>
+      </pc:sldChg>
+      <pc:sldChg chg="addSp delSp modSp add mod ord">
+        <pc:chgData name="Visesh Bentula" userId="5243385d4042bccd" providerId="LiveId" clId="{B017B98E-6FD1-4521-8F3D-06254FC40362}" dt="2025-04-29T22:20:27.524" v="331" actId="1076"/>
+        <pc:sldMkLst>
+          <pc:docMk/>
+          <pc:sldMk cId="3326366003" sldId="275"/>
+        </pc:sldMkLst>
+        <pc:spChg chg="del mod">
+          <ac:chgData name="Visesh Bentula" userId="5243385d4042bccd" providerId="LiveId" clId="{B017B98E-6FD1-4521-8F3D-06254FC40362}" dt="2025-04-29T22:19:52.202" v="319" actId="478"/>
+          <ac:spMkLst>
+            <pc:docMk/>
+            <pc:sldMk cId="3326366003" sldId="275"/>
+            <ac:spMk id="7" creationId="{8B61804A-2DD3-E929-B3DF-9A1ACD47DC94}"/>
+          </ac:spMkLst>
+        </pc:spChg>
+        <pc:spChg chg="del">
+          <ac:chgData name="Visesh Bentula" userId="5243385d4042bccd" providerId="LiveId" clId="{B017B98E-6FD1-4521-8F3D-06254FC40362}" dt="2025-04-29T22:19:26.717" v="316" actId="478"/>
+          <ac:spMkLst>
+            <pc:docMk/>
+            <pc:sldMk cId="3326366003" sldId="275"/>
+            <ac:spMk id="8" creationId="{05DFA696-8CAE-A04D-F56B-B8F9A49498EA}"/>
+          </ac:spMkLst>
+        </pc:spChg>
+        <pc:spChg chg="add mod">
+          <ac:chgData name="Visesh Bentula" userId="5243385d4042bccd" providerId="LiveId" clId="{B017B98E-6FD1-4521-8F3D-06254FC40362}" dt="2025-04-29T22:20:27.524" v="331" actId="1076"/>
+          <ac:spMkLst>
+            <pc:docMk/>
+            <pc:sldMk cId="3326366003" sldId="275"/>
+            <ac:spMk id="9" creationId="{B8C05118-E12E-164D-E958-D18FEAD7055F}"/>
+          </ac:spMkLst>
+        </pc:spChg>
+        <pc:spChg chg="add mod">
+          <ac:chgData name="Visesh Bentula" userId="5243385d4042bccd" providerId="LiveId" clId="{B017B98E-6FD1-4521-8F3D-06254FC40362}" dt="2025-04-29T22:20:10.359" v="327" actId="403"/>
+          <ac:spMkLst>
+            <pc:docMk/>
+            <pc:sldMk cId="3326366003" sldId="275"/>
+            <ac:spMk id="10" creationId="{BFA4531C-FD29-6F45-CC4A-D87E1A1CABCC}"/>
+          </ac:spMkLst>
+        </pc:spChg>
+      </pc:sldChg>
+      <pc:sldChg chg="addSp delSp modSp add mod">
+        <pc:chgData name="Visesh Bentula" userId="5243385d4042bccd" providerId="LiveId" clId="{B017B98E-6FD1-4521-8F3D-06254FC40362}" dt="2025-04-30T21:57:59.140" v="412" actId="1076"/>
+        <pc:sldMkLst>
+          <pc:docMk/>
+          <pc:sldMk cId="88083192" sldId="276"/>
+        </pc:sldMkLst>
+        <pc:spChg chg="mod">
+          <ac:chgData name="Visesh Bentula" userId="5243385d4042bccd" providerId="LiveId" clId="{B017B98E-6FD1-4521-8F3D-06254FC40362}" dt="2025-04-30T21:54:58.348" v="376" actId="20577"/>
+          <ac:spMkLst>
+            <pc:docMk/>
+            <pc:sldMk cId="88083192" sldId="276"/>
+            <ac:spMk id="9" creationId="{61845CEA-353A-F1BF-B3DE-6482ADDDF660}"/>
+          </ac:spMkLst>
+        </pc:spChg>
+        <pc:spChg chg="del mod topLvl">
+          <ac:chgData name="Visesh Bentula" userId="5243385d4042bccd" providerId="LiveId" clId="{B017B98E-6FD1-4521-8F3D-06254FC40362}" dt="2025-04-30T21:56:59.532" v="403" actId="21"/>
+          <ac:spMkLst>
+            <pc:docMk/>
+            <pc:sldMk cId="88083192" sldId="276"/>
+            <ac:spMk id="11" creationId="{BA3ACA53-2BC5-892D-0D54-07EFDB6EA40E}"/>
+          </ac:spMkLst>
+        </pc:spChg>
+        <pc:spChg chg="del topLvl">
+          <ac:chgData name="Visesh Bentula" userId="5243385d4042bccd" providerId="LiveId" clId="{B017B98E-6FD1-4521-8F3D-06254FC40362}" dt="2025-04-30T21:57:02.506" v="404" actId="21"/>
+          <ac:spMkLst>
+            <pc:docMk/>
+            <pc:sldMk cId="88083192" sldId="276"/>
+            <ac:spMk id="12" creationId="{465A5173-C322-A504-2041-1D90ABA08BE6}"/>
+          </ac:spMkLst>
+        </pc:spChg>
+        <pc:grpChg chg="mod">
+          <ac:chgData name="Visesh Bentula" userId="5243385d4042bccd" providerId="LiveId" clId="{B017B98E-6FD1-4521-8F3D-06254FC40362}" dt="2025-04-30T21:55:12.794" v="380" actId="1076"/>
+          <ac:grpSpMkLst>
+            <pc:docMk/>
+            <pc:sldMk cId="88083192" sldId="276"/>
+            <ac:grpSpMk id="3" creationId="{D3120CC4-01D6-62E2-6549-BE9E18C2917C}"/>
+          </ac:grpSpMkLst>
+        </pc:grpChg>
+        <pc:grpChg chg="del">
+          <ac:chgData name="Visesh Bentula" userId="5243385d4042bccd" providerId="LiveId" clId="{B017B98E-6FD1-4521-8F3D-06254FC40362}" dt="2025-04-30T21:56:59.532" v="403" actId="21"/>
+          <ac:grpSpMkLst>
+            <pc:docMk/>
+            <pc:sldMk cId="88083192" sldId="276"/>
+            <ac:grpSpMk id="10" creationId="{AA4C2349-695F-3378-FAF2-82F9909B7D82}"/>
+          </ac:grpSpMkLst>
+        </pc:grpChg>
+        <pc:grpChg chg="del">
+          <ac:chgData name="Visesh Bentula" userId="5243385d4042bccd" providerId="LiveId" clId="{B017B98E-6FD1-4521-8F3D-06254FC40362}" dt="2025-04-30T21:57:05.641" v="405" actId="21"/>
+          <ac:grpSpMkLst>
+            <pc:docMk/>
+            <pc:sldMk cId="88083192" sldId="276"/>
+            <ac:grpSpMk id="13" creationId="{AFEA5E65-3FB0-FEC9-CCBB-32D623F356FB}"/>
+          </ac:grpSpMkLst>
+        </pc:grpChg>
+        <pc:grpChg chg="del">
+          <ac:chgData name="Visesh Bentula" userId="5243385d4042bccd" providerId="LiveId" clId="{B017B98E-6FD1-4521-8F3D-06254FC40362}" dt="2025-04-30T21:57:09.298" v="406" actId="21"/>
+          <ac:grpSpMkLst>
+            <pc:docMk/>
+            <pc:sldMk cId="88083192" sldId="276"/>
+            <ac:grpSpMk id="16" creationId="{6212BBF9-CB48-F38B-24B1-0B3F6753CA6C}"/>
+          </ac:grpSpMkLst>
+        </pc:grpChg>
+        <pc:picChg chg="add mod">
+          <ac:chgData name="Visesh Bentula" userId="5243385d4042bccd" providerId="LiveId" clId="{B017B98E-6FD1-4521-8F3D-06254FC40362}" dt="2025-04-30T21:57:59.140" v="412" actId="1076"/>
+          <ac:picMkLst>
+            <pc:docMk/>
+            <pc:sldMk cId="88083192" sldId="276"/>
+            <ac:picMk id="30" creationId="{B21BB3FE-3F84-E60F-A23B-49CA39EACE68}"/>
+          </ac:picMkLst>
+        </pc:picChg>
+      </pc:sldChg>
     </pc:docChg>
   </pc:docChgLst>
 </pc:chgInfo>
+</file>
+
+<file path=ppt/notesMasters/notesMaster1.xml><?xml version="1.0" encoding="utf-8"?>
+<p:notesMaster xmlns:a="http://schemas.openxmlformats.org/drawingml/2006/main" xmlns:r="http://schemas.openxmlformats.org/officeDocument/2006/relationships" xmlns:p="http://schemas.openxmlformats.org/presentationml/2006/main">
+  <p:cSld>
+    <p:bg>
+      <p:bgRef idx="1001">
+        <a:schemeClr val="bg1"/>
+      </p:bgRef>
+    </p:bg>
+    <p:spTree>
+      <p:nvGrpSpPr>
+        <p:cNvPr id="1" name=""/>
+        <p:cNvGrpSpPr/>
+        <p:nvPr/>
+      </p:nvGrpSpPr>
+      <p:grpSpPr>
+        <a:xfrm>
+          <a:off x="0" y="0"/>
+          <a:ext cx="0" cy="0"/>
+          <a:chOff x="0" y="0"/>
+          <a:chExt cx="0" cy="0"/>
+        </a:xfrm>
+      </p:grpSpPr>
+      <p:sp>
+        <p:nvSpPr>
+          <p:cNvPr id="2" name="Header Placeholder 1"/>
+          <p:cNvSpPr>
+            <a:spLocks noGrp="1"/>
+          </p:cNvSpPr>
+          <p:nvPr>
+            <p:ph type="hdr" sz="quarter"/>
+          </p:nvPr>
+        </p:nvSpPr>
+        <p:spPr>
+          <a:xfrm>
+            <a:off x="0" y="0"/>
+            <a:ext cx="2971800" cy="458788"/>
+          </a:xfrm>
+          <a:prstGeom prst="rect">
+            <a:avLst/>
+          </a:prstGeom>
+        </p:spPr>
+        <p:txBody>
+          <a:bodyPr vert="horz" lIns="91440" tIns="45720" rIns="91440" bIns="45720" rtlCol="0"/>
+          <a:lstStyle>
+            <a:lvl1pPr algn="l">
+              <a:defRPr sz="1200"/>
+            </a:lvl1pPr>
+          </a:lstStyle>
+          <a:p>
+            <a:endParaRPr lang="en-US"/>
+          </a:p>
+        </p:txBody>
+      </p:sp>
+      <p:sp>
+        <p:nvSpPr>
+          <p:cNvPr id="3" name="Date Placeholder 2"/>
+          <p:cNvSpPr>
+            <a:spLocks noGrp="1"/>
+          </p:cNvSpPr>
+          <p:nvPr>
+            <p:ph type="dt" idx="1"/>
+          </p:nvPr>
+        </p:nvSpPr>
+        <p:spPr>
+          <a:xfrm>
+            <a:off x="3884613" y="0"/>
+            <a:ext cx="2971800" cy="458788"/>
+          </a:xfrm>
+          <a:prstGeom prst="rect">
+            <a:avLst/>
+          </a:prstGeom>
+        </p:spPr>
+        <p:txBody>
+          <a:bodyPr vert="horz" lIns="91440" tIns="45720" rIns="91440" bIns="45720" rtlCol="0"/>
+          <a:lstStyle>
+            <a:lvl1pPr algn="r">
+              <a:defRPr sz="1200"/>
+            </a:lvl1pPr>
+          </a:lstStyle>
+          <a:p>
+            <a:fld id="{E9145304-8307-4134-AA32-8121222BAAF8}" type="datetimeFigureOut">
+              <a:rPr lang="en-US" smtClean="0"/>
+              <a:t>4/30/2025</a:t>
+            </a:fld>
+            <a:endParaRPr lang="en-US"/>
+          </a:p>
+        </p:txBody>
+      </p:sp>
+      <p:sp>
+        <p:nvSpPr>
+          <p:cNvPr id="4" name="Slide Image Placeholder 3"/>
+          <p:cNvSpPr>
+            <a:spLocks noGrp="1" noRot="1" noChangeAspect="1"/>
+          </p:cNvSpPr>
+          <p:nvPr>
+            <p:ph type="sldImg" idx="2"/>
+          </p:nvPr>
+        </p:nvSpPr>
+        <p:spPr>
+          <a:xfrm>
+            <a:off x="685800" y="1143000"/>
+            <a:ext cx="5486400" cy="3086100"/>
+          </a:xfrm>
+          <a:prstGeom prst="rect">
+            <a:avLst/>
+          </a:prstGeom>
+          <a:noFill/>
+          <a:ln w="12700">
+            <a:solidFill>
+              <a:prstClr val="black"/>
+            </a:solidFill>
+          </a:ln>
+        </p:spPr>
+        <p:txBody>
+          <a:bodyPr vert="horz" lIns="91440" tIns="45720" rIns="91440" bIns="45720" rtlCol="0" anchor="ctr"/>
+          <a:lstStyle/>
+          <a:p>
+            <a:endParaRPr lang="en-US"/>
+          </a:p>
+        </p:txBody>
+      </p:sp>
+      <p:sp>
+        <p:nvSpPr>
+          <p:cNvPr id="5" name="Notes Placeholder 4"/>
+          <p:cNvSpPr>
+            <a:spLocks noGrp="1"/>
+          </p:cNvSpPr>
+          <p:nvPr>
+            <p:ph type="body" sz="quarter" idx="3"/>
+          </p:nvPr>
+        </p:nvSpPr>
+        <p:spPr>
+          <a:xfrm>
+            <a:off x="685800" y="4400550"/>
+            <a:ext cx="5486400" cy="3600450"/>
+          </a:xfrm>
+          <a:prstGeom prst="rect">
+            <a:avLst/>
+          </a:prstGeom>
+        </p:spPr>
+        <p:txBody>
+          <a:bodyPr vert="horz" lIns="91440" tIns="45720" rIns="91440" bIns="45720" rtlCol="0"/>
+          <a:lstStyle/>
+          <a:p>
+            <a:pPr lvl="0"/>
+            <a:r>
+              <a:rPr lang="en-US"/>
+              <a:t>Click to edit Master text styles</a:t>
+            </a:r>
+          </a:p>
+          <a:p>
+            <a:pPr lvl="1"/>
+            <a:r>
+              <a:rPr lang="en-US"/>
+              <a:t>Second level</a:t>
+            </a:r>
+          </a:p>
+          <a:p>
+            <a:pPr lvl="2"/>
+            <a:r>
+              <a:rPr lang="en-US"/>
+              <a:t>Third level</a:t>
+            </a:r>
+          </a:p>
+          <a:p>
+            <a:pPr lvl="3"/>
+            <a:r>
+              <a:rPr lang="en-US"/>
+              <a:t>Fourth level</a:t>
+            </a:r>
+          </a:p>
+          <a:p>
+            <a:pPr lvl="4"/>
+            <a:r>
+              <a:rPr lang="en-US"/>
+              <a:t>Fifth level</a:t>
+            </a:r>
+          </a:p>
+        </p:txBody>
+      </p:sp>
+      <p:sp>
+        <p:nvSpPr>
+          <p:cNvPr id="6" name="Footer Placeholder 5"/>
+          <p:cNvSpPr>
+            <a:spLocks noGrp="1"/>
+          </p:cNvSpPr>
+          <p:nvPr>
+            <p:ph type="ftr" sz="quarter" idx="4"/>
+          </p:nvPr>
+        </p:nvSpPr>
+        <p:spPr>
+          <a:xfrm>
+            <a:off x="0" y="8685213"/>
+            <a:ext cx="2971800" cy="458787"/>
+          </a:xfrm>
+          <a:prstGeom prst="rect">
+            <a:avLst/>
+          </a:prstGeom>
+        </p:spPr>
+        <p:txBody>
+          <a:bodyPr vert="horz" lIns="91440" tIns="45720" rIns="91440" bIns="45720" rtlCol="0" anchor="b"/>
+          <a:lstStyle>
+            <a:lvl1pPr algn="l">
+              <a:defRPr sz="1200"/>
+            </a:lvl1pPr>
+          </a:lstStyle>
+          <a:p>
+            <a:endParaRPr lang="en-US"/>
+          </a:p>
+        </p:txBody>
+      </p:sp>
+      <p:sp>
+        <p:nvSpPr>
+          <p:cNvPr id="7" name="Slide Number Placeholder 6"/>
+          <p:cNvSpPr>
+            <a:spLocks noGrp="1"/>
+          </p:cNvSpPr>
+          <p:nvPr>
+            <p:ph type="sldNum" sz="quarter" idx="5"/>
+          </p:nvPr>
+        </p:nvSpPr>
+        <p:spPr>
+          <a:xfrm>
+            <a:off x="3884613" y="8685213"/>
+            <a:ext cx="2971800" cy="458787"/>
+          </a:xfrm>
+          <a:prstGeom prst="rect">
+            <a:avLst/>
+          </a:prstGeom>
+        </p:spPr>
+        <p:txBody>
+          <a:bodyPr vert="horz" lIns="91440" tIns="45720" rIns="91440" bIns="45720" rtlCol="0" anchor="b"/>
+          <a:lstStyle>
+            <a:lvl1pPr algn="r">
+              <a:defRPr sz="1200"/>
+            </a:lvl1pPr>
+          </a:lstStyle>
+          <a:p>
+            <a:fld id="{7AF05F41-26B7-4ABD-BE55-9D13B261B06B}" type="slidenum">
+              <a:rPr lang="en-US" smtClean="0"/>
+              <a:t>‹#›</a:t>
+            </a:fld>
+            <a:endParaRPr lang="en-US"/>
+          </a:p>
+        </p:txBody>
+      </p:sp>
+    </p:spTree>
+    <p:extLst>
+      <p:ext uri="{BB962C8B-B14F-4D97-AF65-F5344CB8AC3E}">
+        <p14:creationId xmlns:p14="http://schemas.microsoft.com/office/powerpoint/2010/main" val="1386422759"/>
+      </p:ext>
+    </p:extLst>
+  </p:cSld>
+  <p:clrMap bg1="lt1" tx1="dk1" bg2="lt2" tx2="dk2" accent1="accent1" accent2="accent2" accent3="accent3" accent4="accent4" accent5="accent5" accent6="accent6" hlink="hlink" folHlink="folHlink"/>
+  <p:notesStyle>
+    <a:lvl1pPr marL="0" algn="l" defTabSz="914400" rtl="0" eaLnBrk="1" latinLnBrk="0" hangingPunct="1">
+      <a:defRPr sz="1200" kern="1200">
+        <a:solidFill>
+          <a:schemeClr val="tx1"/>
+        </a:solidFill>
+        <a:latin typeface="+mn-lt"/>
+        <a:ea typeface="+mn-ea"/>
+        <a:cs typeface="+mn-cs"/>
+      </a:defRPr>
+    </a:lvl1pPr>
+    <a:lvl2pPr marL="457200" algn="l" defTabSz="914400" rtl="0" eaLnBrk="1" latinLnBrk="0" hangingPunct="1">
+      <a:defRPr sz="1200" kern="1200">
+        <a:solidFill>
+          <a:schemeClr val="tx1"/>
+        </a:solidFill>
+        <a:latin typeface="+mn-lt"/>
+        <a:ea typeface="+mn-ea"/>
+        <a:cs typeface="+mn-cs"/>
+      </a:defRPr>
+    </a:lvl2pPr>
+    <a:lvl3pPr marL="914400" algn="l" defTabSz="914400" rtl="0" eaLnBrk="1" latinLnBrk="0" hangingPunct="1">
+      <a:defRPr sz="1200" kern="1200">
+        <a:solidFill>
+          <a:schemeClr val="tx1"/>
+        </a:solidFill>
+        <a:latin typeface="+mn-lt"/>
+        <a:ea typeface="+mn-ea"/>
+        <a:cs typeface="+mn-cs"/>
+      </a:defRPr>
+    </a:lvl3pPr>
+    <a:lvl4pPr marL="1371600" algn="l" defTabSz="914400" rtl="0" eaLnBrk="1" latinLnBrk="0" hangingPunct="1">
+      <a:defRPr sz="1200" kern="1200">
+        <a:solidFill>
+          <a:schemeClr val="tx1"/>
+        </a:solidFill>
+        <a:latin typeface="+mn-lt"/>
+        <a:ea typeface="+mn-ea"/>
+        <a:cs typeface="+mn-cs"/>
+      </a:defRPr>
+    </a:lvl4pPr>
+    <a:lvl5pPr marL="1828800" algn="l" defTabSz="914400" rtl="0" eaLnBrk="1" latinLnBrk="0" hangingPunct="1">
+      <a:defRPr sz="1200" kern="1200">
+        <a:solidFill>
+          <a:schemeClr val="tx1"/>
+        </a:solidFill>
+        <a:latin typeface="+mn-lt"/>
+        <a:ea typeface="+mn-ea"/>
+        <a:cs typeface="+mn-cs"/>
+      </a:defRPr>
+    </a:lvl5pPr>
+    <a:lvl6pPr marL="2286000" algn="l" defTabSz="914400" rtl="0" eaLnBrk="1" latinLnBrk="0" hangingPunct="1">
+      <a:defRPr sz="1200" kern="1200">
+        <a:solidFill>
+          <a:schemeClr val="tx1"/>
+        </a:solidFill>
+        <a:latin typeface="+mn-lt"/>
+        <a:ea typeface="+mn-ea"/>
+        <a:cs typeface="+mn-cs"/>
+      </a:defRPr>
+    </a:lvl6pPr>
+    <a:lvl7pPr marL="2743200" algn="l" defTabSz="914400" rtl="0" eaLnBrk="1" latinLnBrk="0" hangingPunct="1">
+      <a:defRPr sz="1200" kern="1200">
+        <a:solidFill>
+          <a:schemeClr val="tx1"/>
+        </a:solidFill>
+        <a:latin typeface="+mn-lt"/>
+        <a:ea typeface="+mn-ea"/>
+        <a:cs typeface="+mn-cs"/>
+      </a:defRPr>
+    </a:lvl7pPr>
+    <a:lvl8pPr marL="3200400" algn="l" defTabSz="914400" rtl="0" eaLnBrk="1" latinLnBrk="0" hangingPunct="1">
+      <a:defRPr sz="1200" kern="1200">
+        <a:solidFill>
+          <a:schemeClr val="tx1"/>
+        </a:solidFill>
+        <a:latin typeface="+mn-lt"/>
+        <a:ea typeface="+mn-ea"/>
+        <a:cs typeface="+mn-cs"/>
+      </a:defRPr>
+    </a:lvl8pPr>
+    <a:lvl9pPr marL="3657600" algn="l" defTabSz="914400" rtl="0" eaLnBrk="1" latinLnBrk="0" hangingPunct="1">
+      <a:defRPr sz="1200" kern="1200">
+        <a:solidFill>
+          <a:schemeClr val="tx1"/>
+        </a:solidFill>
+        <a:latin typeface="+mn-lt"/>
+        <a:ea typeface="+mn-ea"/>
+        <a:cs typeface="+mn-cs"/>
+      </a:defRPr>
+    </a:lvl9pPr>
+  </p:notesStyle>
+</p:notesMaster>
 </file>
 
 <file path=ppt/slideLayouts/slideLayout1.xml><?xml version="1.0" encoding="utf-8"?>
@@ -848,7 +1323,7 @@
             <a:fld id="{1D8BD707-D9CF-40AE-B4C6-C98DA3205C09}" type="datetimeFigureOut">
               <a:rPr lang="en-US" smtClean="0"/>
               <a:pPr/>
-              <a:t>4/28/2025</a:t>
+              <a:t>4/30/2025</a:t>
             </a:fld>
             <a:endParaRPr lang="en-US"/>
           </a:p>
@@ -1013,7 +1488,7 @@
             <a:fld id="{1D8BD707-D9CF-40AE-B4C6-C98DA3205C09}" type="datetimeFigureOut">
               <a:rPr lang="en-US" smtClean="0"/>
               <a:pPr/>
-              <a:t>4/28/2025</a:t>
+              <a:t>4/30/2025</a:t>
             </a:fld>
             <a:endParaRPr lang="en-US"/>
           </a:p>
@@ -1188,7 +1663,7 @@
             <a:fld id="{1D8BD707-D9CF-40AE-B4C6-C98DA3205C09}" type="datetimeFigureOut">
               <a:rPr lang="en-US" smtClean="0"/>
               <a:pPr/>
-              <a:t>4/28/2025</a:t>
+              <a:t>4/30/2025</a:t>
             </a:fld>
             <a:endParaRPr lang="en-US"/>
           </a:p>
@@ -1353,7 +1828,7 @@
             <a:fld id="{1D8BD707-D9CF-40AE-B4C6-C98DA3205C09}" type="datetimeFigureOut">
               <a:rPr lang="en-US" smtClean="0"/>
               <a:pPr/>
-              <a:t>4/28/2025</a:t>
+              <a:t>4/30/2025</a:t>
             </a:fld>
             <a:endParaRPr lang="en-US"/>
           </a:p>
@@ -1595,7 +2070,7 @@
             <a:fld id="{1D8BD707-D9CF-40AE-B4C6-C98DA3205C09}" type="datetimeFigureOut">
               <a:rPr lang="en-US" smtClean="0"/>
               <a:pPr/>
-              <a:t>4/28/2025</a:t>
+              <a:t>4/30/2025</a:t>
             </a:fld>
             <a:endParaRPr lang="en-US"/>
           </a:p>
@@ -1877,7 +2352,7 @@
             <a:fld id="{1D8BD707-D9CF-40AE-B4C6-C98DA3205C09}" type="datetimeFigureOut">
               <a:rPr lang="en-US" smtClean="0"/>
               <a:pPr/>
-              <a:t>4/28/2025</a:t>
+              <a:t>4/30/2025</a:t>
             </a:fld>
             <a:endParaRPr lang="en-US"/>
           </a:p>
@@ -2293,7 +2768,7 @@
             <a:fld id="{1D8BD707-D9CF-40AE-B4C6-C98DA3205C09}" type="datetimeFigureOut">
               <a:rPr lang="en-US" smtClean="0"/>
               <a:pPr/>
-              <a:t>4/28/2025</a:t>
+              <a:t>4/30/2025</a:t>
             </a:fld>
             <a:endParaRPr lang="en-US"/>
           </a:p>
@@ -2407,7 +2882,7 @@
             <a:fld id="{1D8BD707-D9CF-40AE-B4C6-C98DA3205C09}" type="datetimeFigureOut">
               <a:rPr lang="en-US" smtClean="0"/>
               <a:pPr/>
-              <a:t>4/28/2025</a:t>
+              <a:t>4/30/2025</a:t>
             </a:fld>
             <a:endParaRPr lang="en-US"/>
           </a:p>
@@ -2499,7 +2974,7 @@
             <a:fld id="{1D8BD707-D9CF-40AE-B4C6-C98DA3205C09}" type="datetimeFigureOut">
               <a:rPr lang="en-US" smtClean="0"/>
               <a:pPr/>
-              <a:t>4/28/2025</a:t>
+              <a:t>4/30/2025</a:t>
             </a:fld>
             <a:endParaRPr lang="en-US"/>
           </a:p>
@@ -2771,7 +3246,7 @@
             <a:fld id="{1D8BD707-D9CF-40AE-B4C6-C98DA3205C09}" type="datetimeFigureOut">
               <a:rPr lang="en-US" smtClean="0"/>
               <a:pPr/>
-              <a:t>4/28/2025</a:t>
+              <a:t>4/30/2025</a:t>
             </a:fld>
             <a:endParaRPr lang="en-US"/>
           </a:p>
@@ -3020,7 +3495,7 @@
             <a:fld id="{1D8BD707-D9CF-40AE-B4C6-C98DA3205C09}" type="datetimeFigureOut">
               <a:rPr lang="en-US" smtClean="0"/>
               <a:pPr/>
-              <a:t>4/28/2025</a:t>
+              <a:t>4/30/2025</a:t>
             </a:fld>
             <a:endParaRPr lang="en-US"/>
           </a:p>
@@ -3228,7 +3703,7 @@
             <a:fld id="{1D8BD707-D9CF-40AE-B4C6-C98DA3205C09}" type="datetimeFigureOut">
               <a:rPr lang="en-US" smtClean="0"/>
               <a:pPr/>
-              <a:t>4/28/2025</a:t>
+              <a:t>4/30/2025</a:t>
             </a:fld>
             <a:endParaRPr lang="en-US"/>
           </a:p>
@@ -5387,7 +5862,7 @@
                 </a:lnSpc>
               </a:pPr>
               <a:r>
-                <a:rPr lang="en-US" sz="3200" b="1">
+                <a:rPr lang="en-US" sz="3200" b="1" dirty="0">
                   <a:solidFill>
                     <a:srgbClr val="1C2120"/>
                   </a:solidFill>
@@ -5509,7 +5984,7 @@
                 </a:lnSpc>
               </a:pPr>
               <a:r>
-                <a:rPr lang="en-US" sz="3200" b="1">
+                <a:rPr lang="en-US" sz="3200" b="1" dirty="0">
                   <a:solidFill>
                     <a:srgbClr val="1C2120"/>
                   </a:solidFill>
@@ -5787,10 +6262,10 @@
         </p:nvGrpSpPr>
         <p:grpSpPr>
           <a:xfrm>
-            <a:off x="7385290" y="7542435"/>
-            <a:ext cx="8752525" cy="1486165"/>
-            <a:chOff x="0" y="0"/>
-            <a:chExt cx="11670033" cy="1981553"/>
+            <a:off x="7385290" y="7499572"/>
+            <a:ext cx="8752525" cy="1529029"/>
+            <a:chOff x="0" y="-57151"/>
+            <a:chExt cx="11670033" cy="2038705"/>
           </a:xfrm>
         </p:grpSpPr>
         <p:sp>
@@ -5820,7 +6295,7 @@
                 </a:lnSpc>
               </a:pPr>
               <a:r>
-                <a:rPr lang="en-US" sz="3200" b="1">
+                <a:rPr lang="en-US" sz="3200" b="1" dirty="0">
                   <a:solidFill>
                     <a:srgbClr val="1C2120"/>
                   </a:solidFill>
@@ -5861,7 +6336,7 @@
                 </a:lnSpc>
               </a:pPr>
               <a:r>
-                <a:rPr lang="en-US" sz="2432">
+                <a:rPr lang="en-US" sz="2432" dirty="0">
                   <a:solidFill>
                     <a:srgbClr val="1C2120"/>
                   </a:solidFill>
@@ -5880,7 +6355,7 @@
                 </a:lnSpc>
               </a:pPr>
               <a:r>
-                <a:rPr lang="en-US" sz="2432">
+                <a:rPr lang="en-US" sz="2432" dirty="0">
                   <a:solidFill>
                     <a:srgbClr val="1C2120"/>
                   </a:solidFill>
@@ -6241,6 +6716,793 @@
 </file>
 
 <file path=ppt/slides/slide12.xml><?xml version="1.0" encoding="utf-8"?>
+<p:sld xmlns:a="http://schemas.openxmlformats.org/drawingml/2006/main" xmlns:r="http://schemas.openxmlformats.org/officeDocument/2006/relationships" xmlns:p="http://schemas.openxmlformats.org/presentationml/2006/main">
+  <p:cSld>
+    <p:spTree>
+      <p:nvGrpSpPr>
+        <p:cNvPr id="1" name="">
+          <a:extLst>
+            <a:ext uri="{FF2B5EF4-FFF2-40B4-BE49-F238E27FC236}">
+              <a16:creationId xmlns:a16="http://schemas.microsoft.com/office/drawing/2014/main" id="{68B09EE2-F519-FFAB-EC30-AC7804F2D534}"/>
+            </a:ext>
+          </a:extLst>
+        </p:cNvPr>
+        <p:cNvGrpSpPr/>
+        <p:nvPr/>
+      </p:nvGrpSpPr>
+      <p:grpSpPr>
+        <a:xfrm>
+          <a:off x="0" y="0"/>
+          <a:ext cx="0" cy="0"/>
+          <a:chOff x="0" y="0"/>
+          <a:chExt cx="0" cy="0"/>
+        </a:xfrm>
+      </p:grpSpPr>
+      <p:sp>
+        <p:nvSpPr>
+          <p:cNvPr id="2" name="Freeform 2" descr="Modern Art Painting In White ">
+            <a:extLst>
+              <a:ext uri="{FF2B5EF4-FFF2-40B4-BE49-F238E27FC236}">
+                <a16:creationId xmlns:a16="http://schemas.microsoft.com/office/drawing/2014/main" id="{D390ACC5-4AFD-3994-19B6-304313E756BF}"/>
+              </a:ext>
+            </a:extLst>
+          </p:cNvPr>
+          <p:cNvSpPr/>
+          <p:nvPr/>
+        </p:nvSpPr>
+        <p:spPr>
+          <a:xfrm>
+            <a:off x="-2101622" y="-767350"/>
+            <a:ext cx="22013892" cy="12354774"/>
+          </a:xfrm>
+          <a:custGeom>
+            <a:avLst/>
+            <a:gdLst/>
+            <a:ahLst/>
+            <a:cxnLst/>
+            <a:rect l="l" t="t" r="r" b="b"/>
+            <a:pathLst>
+              <a:path w="22013892" h="12354774">
+                <a:moveTo>
+                  <a:pt x="0" y="0"/>
+                </a:moveTo>
+                <a:lnTo>
+                  <a:pt x="22013891" y="0"/>
+                </a:lnTo>
+                <a:lnTo>
+                  <a:pt x="22013891" y="12354775"/>
+                </a:lnTo>
+                <a:lnTo>
+                  <a:pt x="0" y="12354775"/>
+                </a:lnTo>
+                <a:lnTo>
+                  <a:pt x="0" y="0"/>
+                </a:lnTo>
+                <a:close/>
+              </a:path>
+            </a:pathLst>
+          </a:custGeom>
+          <a:blipFill>
+            <a:blip r:embed="rId2"/>
+            <a:stretch>
+              <a:fillRect t="-9467" b="-9467"/>
+            </a:stretch>
+          </a:blipFill>
+        </p:spPr>
+        <p:txBody>
+          <a:bodyPr/>
+          <a:lstStyle/>
+          <a:p>
+            <a:endParaRPr lang="en-US"/>
+          </a:p>
+        </p:txBody>
+      </p:sp>
+      <p:grpSp>
+        <p:nvGrpSpPr>
+          <p:cNvPr id="3" name="Group 3">
+            <a:extLst>
+              <a:ext uri="{FF2B5EF4-FFF2-40B4-BE49-F238E27FC236}">
+                <a16:creationId xmlns:a16="http://schemas.microsoft.com/office/drawing/2014/main" id="{D3120CC4-01D6-62E2-6549-BE9E18C2917C}"/>
+              </a:ext>
+            </a:extLst>
+          </p:cNvPr>
+          <p:cNvGrpSpPr/>
+          <p:nvPr/>
+        </p:nvGrpSpPr>
+        <p:grpSpPr>
+          <a:xfrm>
+            <a:off x="-1793400" y="-712357"/>
+            <a:ext cx="22453902" cy="11711713"/>
+            <a:chOff x="0" y="0"/>
+            <a:chExt cx="5913785" cy="3084566"/>
+          </a:xfrm>
+        </p:grpSpPr>
+        <p:sp>
+          <p:nvSpPr>
+            <p:cNvPr id="4" name="Freeform 4">
+              <a:extLst>
+                <a:ext uri="{FF2B5EF4-FFF2-40B4-BE49-F238E27FC236}">
+                  <a16:creationId xmlns:a16="http://schemas.microsoft.com/office/drawing/2014/main" id="{091CA432-4F12-F339-9409-168FA38434B8}"/>
+                </a:ext>
+              </a:extLst>
+            </p:cNvPr>
+            <p:cNvSpPr/>
+            <p:nvPr/>
+          </p:nvSpPr>
+          <p:spPr>
+            <a:xfrm>
+              <a:off x="0" y="0"/>
+              <a:ext cx="5913785" cy="3084567"/>
+            </a:xfrm>
+            <a:custGeom>
+              <a:avLst/>
+              <a:gdLst/>
+              <a:ahLst/>
+              <a:cxnLst/>
+              <a:rect l="l" t="t" r="r" b="b"/>
+              <a:pathLst>
+                <a:path w="5913785" h="3084567">
+                  <a:moveTo>
+                    <a:pt x="0" y="0"/>
+                  </a:moveTo>
+                  <a:lnTo>
+                    <a:pt x="5913785" y="0"/>
+                  </a:lnTo>
+                  <a:lnTo>
+                    <a:pt x="5913785" y="3084567"/>
+                  </a:lnTo>
+                  <a:lnTo>
+                    <a:pt x="0" y="3084567"/>
+                  </a:lnTo>
+                  <a:close/>
+                </a:path>
+              </a:pathLst>
+            </a:custGeom>
+            <a:solidFill>
+              <a:srgbClr val="AAD7D4">
+                <a:alpha val="28627"/>
+              </a:srgbClr>
+            </a:solidFill>
+          </p:spPr>
+          <p:txBody>
+            <a:bodyPr/>
+            <a:lstStyle/>
+            <a:p>
+              <a:endParaRPr lang="en-US"/>
+            </a:p>
+          </p:txBody>
+        </p:sp>
+        <p:sp>
+          <p:nvSpPr>
+            <p:cNvPr id="5" name="TextBox 5">
+              <a:extLst>
+                <a:ext uri="{FF2B5EF4-FFF2-40B4-BE49-F238E27FC236}">
+                  <a16:creationId xmlns:a16="http://schemas.microsoft.com/office/drawing/2014/main" id="{26C77893-A370-F05A-DCDB-7EBF6DCE582A}"/>
+                </a:ext>
+              </a:extLst>
+            </p:cNvPr>
+            <p:cNvSpPr txBox="1"/>
+            <p:nvPr/>
+          </p:nvSpPr>
+          <p:spPr>
+            <a:xfrm>
+              <a:off x="0" y="-38100"/>
+              <a:ext cx="5913785" cy="3122666"/>
+            </a:xfrm>
+            <a:prstGeom prst="rect">
+              <a:avLst/>
+            </a:prstGeom>
+          </p:spPr>
+          <p:txBody>
+            <a:bodyPr lIns="50800" tIns="50800" rIns="50800" bIns="50800" rtlCol="0" anchor="ctr"/>
+            <a:lstStyle/>
+            <a:p>
+              <a:pPr algn="ctr">
+                <a:lnSpc>
+                  <a:spcPts val="2659"/>
+                </a:lnSpc>
+              </a:pPr>
+              <a:endParaRPr/>
+            </a:p>
+          </p:txBody>
+        </p:sp>
+      </p:grpSp>
+      <p:grpSp>
+        <p:nvGrpSpPr>
+          <p:cNvPr id="6" name="Group 6">
+            <a:extLst>
+              <a:ext uri="{FF2B5EF4-FFF2-40B4-BE49-F238E27FC236}">
+                <a16:creationId xmlns:a16="http://schemas.microsoft.com/office/drawing/2014/main" id="{F9D5E3BA-5DE9-58EE-0B5D-0E86EC2CF412}"/>
+              </a:ext>
+            </a:extLst>
+          </p:cNvPr>
+          <p:cNvGrpSpPr/>
+          <p:nvPr/>
+        </p:nvGrpSpPr>
+        <p:grpSpPr>
+          <a:xfrm rot="5400000">
+            <a:off x="-7571" y="7571"/>
+            <a:ext cx="9463895" cy="9448753"/>
+            <a:chOff x="0" y="0"/>
+            <a:chExt cx="6350000" cy="6339840"/>
+          </a:xfrm>
+        </p:grpSpPr>
+        <p:sp>
+          <p:nvSpPr>
+            <p:cNvPr id="7" name="Freeform 7">
+              <a:extLst>
+                <a:ext uri="{FF2B5EF4-FFF2-40B4-BE49-F238E27FC236}">
+                  <a16:creationId xmlns:a16="http://schemas.microsoft.com/office/drawing/2014/main" id="{910CA530-4BF5-1B95-1F12-4E6B57CA9B98}"/>
+                </a:ext>
+              </a:extLst>
+            </p:cNvPr>
+            <p:cNvSpPr/>
+            <p:nvPr/>
+          </p:nvSpPr>
+          <p:spPr>
+            <a:xfrm>
+              <a:off x="0" y="0"/>
+              <a:ext cx="6350000" cy="6339840"/>
+            </a:xfrm>
+            <a:custGeom>
+              <a:avLst/>
+              <a:gdLst/>
+              <a:ahLst/>
+              <a:cxnLst/>
+              <a:rect l="l" t="t" r="r" b="b"/>
+              <a:pathLst>
+                <a:path w="6350000" h="6339840">
+                  <a:moveTo>
+                    <a:pt x="6350000" y="6339840"/>
+                  </a:moveTo>
+                  <a:lnTo>
+                    <a:pt x="0" y="6339840"/>
+                  </a:lnTo>
+                  <a:lnTo>
+                    <a:pt x="0" y="0"/>
+                  </a:lnTo>
+                  <a:close/>
+                </a:path>
+              </a:pathLst>
+            </a:custGeom>
+            <a:solidFill>
+              <a:srgbClr val="8FBBB8"/>
+            </a:solidFill>
+          </p:spPr>
+          <p:txBody>
+            <a:bodyPr/>
+            <a:lstStyle/>
+            <a:p>
+              <a:endParaRPr lang="en-US"/>
+            </a:p>
+          </p:txBody>
+        </p:sp>
+      </p:grpSp>
+      <p:sp>
+        <p:nvSpPr>
+          <p:cNvPr id="8" name="AutoShape 8">
+            <a:extLst>
+              <a:ext uri="{FF2B5EF4-FFF2-40B4-BE49-F238E27FC236}">
+                <a16:creationId xmlns:a16="http://schemas.microsoft.com/office/drawing/2014/main" id="{75EB317E-4B5A-466D-034F-D8B2BD34194F}"/>
+              </a:ext>
+            </a:extLst>
+          </p:cNvPr>
+          <p:cNvSpPr/>
+          <p:nvPr/>
+        </p:nvSpPr>
+        <p:spPr>
+          <a:xfrm rot="-5400000">
+            <a:off x="12176837" y="5199775"/>
+            <a:ext cx="10164926" cy="0"/>
+          </a:xfrm>
+          <a:prstGeom prst="line">
+            <a:avLst/>
+          </a:prstGeom>
+          <a:ln w="9525" cap="flat">
+            <a:solidFill>
+              <a:srgbClr val="8FBBB8"/>
+            </a:solidFill>
+            <a:prstDash val="solid"/>
+            <a:headEnd type="none" w="sm" len="sm"/>
+            <a:tailEnd type="none" w="sm" len="sm"/>
+          </a:ln>
+        </p:spPr>
+        <p:txBody>
+          <a:bodyPr/>
+          <a:lstStyle/>
+          <a:p>
+            <a:endParaRPr lang="en-US"/>
+          </a:p>
+        </p:txBody>
+      </p:sp>
+      <p:sp>
+        <p:nvSpPr>
+          <p:cNvPr id="9" name="TextBox 9">
+            <a:extLst>
+              <a:ext uri="{FF2B5EF4-FFF2-40B4-BE49-F238E27FC236}">
+                <a16:creationId xmlns:a16="http://schemas.microsoft.com/office/drawing/2014/main" id="{61845CEA-353A-F1BF-B3DE-6482ADDDF660}"/>
+              </a:ext>
+            </a:extLst>
+          </p:cNvPr>
+          <p:cNvSpPr txBox="1"/>
+          <p:nvPr/>
+        </p:nvSpPr>
+        <p:spPr>
+          <a:xfrm>
+            <a:off x="1028700" y="1085850"/>
+            <a:ext cx="4026437" cy="1487587"/>
+          </a:xfrm>
+          <a:prstGeom prst="rect">
+            <a:avLst/>
+          </a:prstGeom>
+        </p:spPr>
+        <p:txBody>
+          <a:bodyPr lIns="0" tIns="0" rIns="0" bIns="0" rtlCol="0" anchor="t">
+            <a:spAutoFit/>
+          </a:bodyPr>
+          <a:lstStyle/>
+          <a:p>
+            <a:pPr marL="0" lvl="0" indent="0" algn="l">
+              <a:lnSpc>
+                <a:spcPts val="5775"/>
+              </a:lnSpc>
+            </a:pPr>
+            <a:r>
+              <a:rPr lang="en-US" sz="5250" dirty="0">
+                <a:solidFill>
+                  <a:srgbClr val="1C2120"/>
+                </a:solidFill>
+                <a:latin typeface="Open Sans"/>
+                <a:ea typeface="Open Sans"/>
+                <a:cs typeface="Open Sans"/>
+                <a:sym typeface="Open Sans"/>
+              </a:rPr>
+              <a:t>Project Structure</a:t>
+            </a:r>
+          </a:p>
+        </p:txBody>
+      </p:sp>
+      <p:grpSp>
+        <p:nvGrpSpPr>
+          <p:cNvPr id="19" name="Group 19">
+            <a:extLst>
+              <a:ext uri="{FF2B5EF4-FFF2-40B4-BE49-F238E27FC236}">
+                <a16:creationId xmlns:a16="http://schemas.microsoft.com/office/drawing/2014/main" id="{E21CDD19-8DE9-39A7-478E-2B77A0090748}"/>
+              </a:ext>
+            </a:extLst>
+          </p:cNvPr>
+          <p:cNvGrpSpPr/>
+          <p:nvPr/>
+        </p:nvGrpSpPr>
+        <p:grpSpPr>
+          <a:xfrm>
+            <a:off x="17089441" y="2001483"/>
+            <a:ext cx="339718" cy="339718"/>
+            <a:chOff x="0" y="0"/>
+            <a:chExt cx="812800" cy="812800"/>
+          </a:xfrm>
+        </p:grpSpPr>
+        <p:sp>
+          <p:nvSpPr>
+            <p:cNvPr id="20" name="Freeform 20">
+              <a:extLst>
+                <a:ext uri="{FF2B5EF4-FFF2-40B4-BE49-F238E27FC236}">
+                  <a16:creationId xmlns:a16="http://schemas.microsoft.com/office/drawing/2014/main" id="{E31EE83C-028D-7B00-27C6-3E41018E35A5}"/>
+                </a:ext>
+              </a:extLst>
+            </p:cNvPr>
+            <p:cNvSpPr/>
+            <p:nvPr/>
+          </p:nvSpPr>
+          <p:spPr>
+            <a:xfrm>
+              <a:off x="0" y="0"/>
+              <a:ext cx="812800" cy="812800"/>
+            </a:xfrm>
+            <a:custGeom>
+              <a:avLst/>
+              <a:gdLst/>
+              <a:ahLst/>
+              <a:cxnLst/>
+              <a:rect l="l" t="t" r="r" b="b"/>
+              <a:pathLst>
+                <a:path w="812800" h="812800">
+                  <a:moveTo>
+                    <a:pt x="406400" y="0"/>
+                  </a:moveTo>
+                  <a:cubicBezTo>
+                    <a:pt x="181951" y="0"/>
+                    <a:pt x="0" y="181951"/>
+                    <a:pt x="0" y="406400"/>
+                  </a:cubicBezTo>
+                  <a:cubicBezTo>
+                    <a:pt x="0" y="630849"/>
+                    <a:pt x="181951" y="812800"/>
+                    <a:pt x="406400" y="812800"/>
+                  </a:cubicBezTo>
+                  <a:cubicBezTo>
+                    <a:pt x="630849" y="812800"/>
+                    <a:pt x="812800" y="630849"/>
+                    <a:pt x="812800" y="406400"/>
+                  </a:cubicBezTo>
+                  <a:cubicBezTo>
+                    <a:pt x="812800" y="181951"/>
+                    <a:pt x="630849" y="0"/>
+                    <a:pt x="406400" y="0"/>
+                  </a:cubicBezTo>
+                  <a:close/>
+                </a:path>
+              </a:pathLst>
+            </a:custGeom>
+            <a:solidFill>
+              <a:srgbClr val="8FBBB8"/>
+            </a:solidFill>
+          </p:spPr>
+          <p:txBody>
+            <a:bodyPr/>
+            <a:lstStyle/>
+            <a:p>
+              <a:endParaRPr lang="en-US"/>
+            </a:p>
+          </p:txBody>
+        </p:sp>
+        <p:sp>
+          <p:nvSpPr>
+            <p:cNvPr id="21" name="TextBox 21">
+              <a:extLst>
+                <a:ext uri="{FF2B5EF4-FFF2-40B4-BE49-F238E27FC236}">
+                  <a16:creationId xmlns:a16="http://schemas.microsoft.com/office/drawing/2014/main" id="{7EC790BA-9EA3-A480-D83A-2744B706A060}"/>
+                </a:ext>
+              </a:extLst>
+            </p:cNvPr>
+            <p:cNvSpPr txBox="1"/>
+            <p:nvPr/>
+          </p:nvSpPr>
+          <p:spPr>
+            <a:xfrm>
+              <a:off x="76200" y="47625"/>
+              <a:ext cx="660400" cy="688975"/>
+            </a:xfrm>
+            <a:prstGeom prst="rect">
+              <a:avLst/>
+            </a:prstGeom>
+          </p:spPr>
+          <p:txBody>
+            <a:bodyPr lIns="50800" tIns="50800" rIns="50800" bIns="50800" rtlCol="0" anchor="ctr"/>
+            <a:lstStyle/>
+            <a:p>
+              <a:pPr algn="ctr">
+                <a:lnSpc>
+                  <a:spcPts val="2100"/>
+                </a:lnSpc>
+              </a:pPr>
+              <a:endParaRPr/>
+            </a:p>
+          </p:txBody>
+        </p:sp>
+      </p:grpSp>
+      <p:grpSp>
+        <p:nvGrpSpPr>
+          <p:cNvPr id="22" name="Group 22">
+            <a:extLst>
+              <a:ext uri="{FF2B5EF4-FFF2-40B4-BE49-F238E27FC236}">
+                <a16:creationId xmlns:a16="http://schemas.microsoft.com/office/drawing/2014/main" id="{76D7AC37-6473-B165-C0A9-B58531E9F188}"/>
+              </a:ext>
+            </a:extLst>
+          </p:cNvPr>
+          <p:cNvGrpSpPr/>
+          <p:nvPr/>
+        </p:nvGrpSpPr>
+        <p:grpSpPr>
+          <a:xfrm>
+            <a:off x="17089441" y="4973641"/>
+            <a:ext cx="339718" cy="339718"/>
+            <a:chOff x="0" y="0"/>
+            <a:chExt cx="812800" cy="812800"/>
+          </a:xfrm>
+        </p:grpSpPr>
+        <p:sp>
+          <p:nvSpPr>
+            <p:cNvPr id="23" name="Freeform 23">
+              <a:extLst>
+                <a:ext uri="{FF2B5EF4-FFF2-40B4-BE49-F238E27FC236}">
+                  <a16:creationId xmlns:a16="http://schemas.microsoft.com/office/drawing/2014/main" id="{7B0C8F0D-199E-38B1-494E-39B2297DB38A}"/>
+                </a:ext>
+              </a:extLst>
+            </p:cNvPr>
+            <p:cNvSpPr/>
+            <p:nvPr/>
+          </p:nvSpPr>
+          <p:spPr>
+            <a:xfrm>
+              <a:off x="0" y="0"/>
+              <a:ext cx="812800" cy="812800"/>
+            </a:xfrm>
+            <a:custGeom>
+              <a:avLst/>
+              <a:gdLst/>
+              <a:ahLst/>
+              <a:cxnLst/>
+              <a:rect l="l" t="t" r="r" b="b"/>
+              <a:pathLst>
+                <a:path w="812800" h="812800">
+                  <a:moveTo>
+                    <a:pt x="406400" y="0"/>
+                  </a:moveTo>
+                  <a:cubicBezTo>
+                    <a:pt x="181951" y="0"/>
+                    <a:pt x="0" y="181951"/>
+                    <a:pt x="0" y="406400"/>
+                  </a:cubicBezTo>
+                  <a:cubicBezTo>
+                    <a:pt x="0" y="630849"/>
+                    <a:pt x="181951" y="812800"/>
+                    <a:pt x="406400" y="812800"/>
+                  </a:cubicBezTo>
+                  <a:cubicBezTo>
+                    <a:pt x="630849" y="812800"/>
+                    <a:pt x="812800" y="630849"/>
+                    <a:pt x="812800" y="406400"/>
+                  </a:cubicBezTo>
+                  <a:cubicBezTo>
+                    <a:pt x="812800" y="181951"/>
+                    <a:pt x="630849" y="0"/>
+                    <a:pt x="406400" y="0"/>
+                  </a:cubicBezTo>
+                  <a:close/>
+                </a:path>
+              </a:pathLst>
+            </a:custGeom>
+            <a:solidFill>
+              <a:srgbClr val="8FBBB8"/>
+            </a:solidFill>
+          </p:spPr>
+          <p:txBody>
+            <a:bodyPr/>
+            <a:lstStyle/>
+            <a:p>
+              <a:endParaRPr lang="en-US"/>
+            </a:p>
+          </p:txBody>
+        </p:sp>
+        <p:sp>
+          <p:nvSpPr>
+            <p:cNvPr id="24" name="TextBox 24">
+              <a:extLst>
+                <a:ext uri="{FF2B5EF4-FFF2-40B4-BE49-F238E27FC236}">
+                  <a16:creationId xmlns:a16="http://schemas.microsoft.com/office/drawing/2014/main" id="{B4FBEA52-C706-CCFB-4FEC-DCEEBFCCDA5A}"/>
+                </a:ext>
+              </a:extLst>
+            </p:cNvPr>
+            <p:cNvSpPr txBox="1"/>
+            <p:nvPr/>
+          </p:nvSpPr>
+          <p:spPr>
+            <a:xfrm>
+              <a:off x="76200" y="47625"/>
+              <a:ext cx="660400" cy="688975"/>
+            </a:xfrm>
+            <a:prstGeom prst="rect">
+              <a:avLst/>
+            </a:prstGeom>
+          </p:spPr>
+          <p:txBody>
+            <a:bodyPr lIns="50800" tIns="50800" rIns="50800" bIns="50800" rtlCol="0" anchor="ctr"/>
+            <a:lstStyle/>
+            <a:p>
+              <a:pPr algn="ctr">
+                <a:lnSpc>
+                  <a:spcPts val="2100"/>
+                </a:lnSpc>
+              </a:pPr>
+              <a:endParaRPr/>
+            </a:p>
+          </p:txBody>
+        </p:sp>
+      </p:grpSp>
+      <p:grpSp>
+        <p:nvGrpSpPr>
+          <p:cNvPr id="25" name="Group 25">
+            <a:extLst>
+              <a:ext uri="{FF2B5EF4-FFF2-40B4-BE49-F238E27FC236}">
+                <a16:creationId xmlns:a16="http://schemas.microsoft.com/office/drawing/2014/main" id="{F99F70B3-6843-DB49-2784-061DAE64BE24}"/>
+              </a:ext>
+            </a:extLst>
+          </p:cNvPr>
+          <p:cNvGrpSpPr/>
+          <p:nvPr/>
+        </p:nvGrpSpPr>
+        <p:grpSpPr>
+          <a:xfrm>
+            <a:off x="17089441" y="7945799"/>
+            <a:ext cx="339718" cy="339718"/>
+            <a:chOff x="0" y="0"/>
+            <a:chExt cx="812800" cy="812800"/>
+          </a:xfrm>
+        </p:grpSpPr>
+        <p:sp>
+          <p:nvSpPr>
+            <p:cNvPr id="26" name="Freeform 26">
+              <a:extLst>
+                <a:ext uri="{FF2B5EF4-FFF2-40B4-BE49-F238E27FC236}">
+                  <a16:creationId xmlns:a16="http://schemas.microsoft.com/office/drawing/2014/main" id="{E6F9D8FC-4BA9-8102-A72C-1B0F4B1CDB48}"/>
+                </a:ext>
+              </a:extLst>
+            </p:cNvPr>
+            <p:cNvSpPr/>
+            <p:nvPr/>
+          </p:nvSpPr>
+          <p:spPr>
+            <a:xfrm>
+              <a:off x="0" y="0"/>
+              <a:ext cx="812800" cy="812800"/>
+            </a:xfrm>
+            <a:custGeom>
+              <a:avLst/>
+              <a:gdLst/>
+              <a:ahLst/>
+              <a:cxnLst/>
+              <a:rect l="l" t="t" r="r" b="b"/>
+              <a:pathLst>
+                <a:path w="812800" h="812800">
+                  <a:moveTo>
+                    <a:pt x="406400" y="0"/>
+                  </a:moveTo>
+                  <a:cubicBezTo>
+                    <a:pt x="181951" y="0"/>
+                    <a:pt x="0" y="181951"/>
+                    <a:pt x="0" y="406400"/>
+                  </a:cubicBezTo>
+                  <a:cubicBezTo>
+                    <a:pt x="0" y="630849"/>
+                    <a:pt x="181951" y="812800"/>
+                    <a:pt x="406400" y="812800"/>
+                  </a:cubicBezTo>
+                  <a:cubicBezTo>
+                    <a:pt x="630849" y="812800"/>
+                    <a:pt x="812800" y="630849"/>
+                    <a:pt x="812800" y="406400"/>
+                  </a:cubicBezTo>
+                  <a:cubicBezTo>
+                    <a:pt x="812800" y="181951"/>
+                    <a:pt x="630849" y="0"/>
+                    <a:pt x="406400" y="0"/>
+                  </a:cubicBezTo>
+                  <a:close/>
+                </a:path>
+              </a:pathLst>
+            </a:custGeom>
+            <a:solidFill>
+              <a:srgbClr val="8FBBB8"/>
+            </a:solidFill>
+          </p:spPr>
+          <p:txBody>
+            <a:bodyPr/>
+            <a:lstStyle/>
+            <a:p>
+              <a:endParaRPr lang="en-US"/>
+            </a:p>
+          </p:txBody>
+        </p:sp>
+        <p:sp>
+          <p:nvSpPr>
+            <p:cNvPr id="27" name="TextBox 27">
+              <a:extLst>
+                <a:ext uri="{FF2B5EF4-FFF2-40B4-BE49-F238E27FC236}">
+                  <a16:creationId xmlns:a16="http://schemas.microsoft.com/office/drawing/2014/main" id="{32C80F8C-BE7D-0EB9-A4C7-4620E2AC914F}"/>
+                </a:ext>
+              </a:extLst>
+            </p:cNvPr>
+            <p:cNvSpPr txBox="1"/>
+            <p:nvPr/>
+          </p:nvSpPr>
+          <p:spPr>
+            <a:xfrm>
+              <a:off x="76200" y="47625"/>
+              <a:ext cx="660400" cy="688975"/>
+            </a:xfrm>
+            <a:prstGeom prst="rect">
+              <a:avLst/>
+            </a:prstGeom>
+          </p:spPr>
+          <p:txBody>
+            <a:bodyPr lIns="50800" tIns="50800" rIns="50800" bIns="50800" rtlCol="0" anchor="ctr"/>
+            <a:lstStyle/>
+            <a:p>
+              <a:pPr algn="ctr">
+                <a:lnSpc>
+                  <a:spcPts val="2100"/>
+                </a:lnSpc>
+              </a:pPr>
+              <a:endParaRPr/>
+            </a:p>
+          </p:txBody>
+        </p:sp>
+      </p:grpSp>
+      <p:sp>
+        <p:nvSpPr>
+          <p:cNvPr id="28" name="AutoShape 28">
+            <a:extLst>
+              <a:ext uri="{FF2B5EF4-FFF2-40B4-BE49-F238E27FC236}">
+                <a16:creationId xmlns:a16="http://schemas.microsoft.com/office/drawing/2014/main" id="{CD99BE6E-A915-1B15-E9E3-A34A7ED39557}"/>
+              </a:ext>
+            </a:extLst>
+          </p:cNvPr>
+          <p:cNvSpPr/>
+          <p:nvPr/>
+        </p:nvSpPr>
+        <p:spPr>
+          <a:xfrm rot="8100000">
+            <a:off x="-2591675" y="8025966"/>
+            <a:ext cx="5914518" cy="0"/>
+          </a:xfrm>
+          <a:prstGeom prst="line">
+            <a:avLst/>
+          </a:prstGeom>
+          <a:ln w="9525" cap="flat">
+            <a:solidFill>
+              <a:srgbClr val="FFFFFF"/>
+            </a:solidFill>
+            <a:prstDash val="solid"/>
+            <a:headEnd type="none" w="sm" len="sm"/>
+            <a:tailEnd type="none" w="sm" len="sm"/>
+          </a:ln>
+        </p:spPr>
+        <p:txBody>
+          <a:bodyPr/>
+          <a:lstStyle/>
+          <a:p>
+            <a:endParaRPr lang="en-US"/>
+          </a:p>
+        </p:txBody>
+      </p:sp>
+      <p:pic>
+        <p:nvPicPr>
+          <p:cNvPr id="30" name="Picture 29">
+            <a:extLst>
+              <a:ext uri="{FF2B5EF4-FFF2-40B4-BE49-F238E27FC236}">
+                <a16:creationId xmlns:a16="http://schemas.microsoft.com/office/drawing/2014/main" id="{B21BB3FE-3F84-E60F-A23B-49CA39EACE68}"/>
+              </a:ext>
+            </a:extLst>
+          </p:cNvPr>
+          <p:cNvPicPr>
+            <a:picLocks noChangeAspect="1"/>
+          </p:cNvPicPr>
+          <p:nvPr/>
+        </p:nvPicPr>
+        <p:blipFill>
+          <a:blip r:embed="rId3"/>
+          <a:stretch>
+            <a:fillRect/>
+          </a:stretch>
+        </p:blipFill>
+        <p:spPr>
+          <a:xfrm>
+            <a:off x="8099892" y="2156638"/>
+            <a:ext cx="8602831" cy="7222054"/>
+          </a:xfrm>
+          <a:prstGeom prst="rect">
+            <a:avLst/>
+          </a:prstGeom>
+        </p:spPr>
+      </p:pic>
+    </p:spTree>
+    <p:extLst>
+      <p:ext uri="{BB962C8B-B14F-4D97-AF65-F5344CB8AC3E}">
+        <p14:creationId xmlns:p14="http://schemas.microsoft.com/office/powerpoint/2010/main" val="88083192"/>
+      </p:ext>
+    </p:extLst>
+  </p:cSld>
+  <p:clrMapOvr>
+    <a:masterClrMapping/>
+  </p:clrMapOvr>
+  <p:transition spd="slow">
+    <p:cover dir="rd"/>
+  </p:transition>
+</p:sld>
+</file>
+
+<file path=ppt/slides/slide13.xml><?xml version="1.0" encoding="utf-8"?>
 <p:sld xmlns:a="http://schemas.openxmlformats.org/drawingml/2006/main" xmlns:r="http://schemas.openxmlformats.org/officeDocument/2006/relationships" xmlns:p="http://schemas.openxmlformats.org/presentationml/2006/main">
   <p:cSld>
     <p:spTree>
@@ -7810,7 +9072,7 @@
 </p:sld>
 </file>
 
-<file path=ppt/slides/slide13.xml><?xml version="1.0" encoding="utf-8"?>
+<file path=ppt/slides/slide14.xml><?xml version="1.0" encoding="utf-8"?>
 <p:sld xmlns:a="http://schemas.openxmlformats.org/drawingml/2006/main" xmlns:r="http://schemas.openxmlformats.org/officeDocument/2006/relationships" xmlns:p="http://schemas.openxmlformats.org/presentationml/2006/main">
   <p:cSld>
     <p:spTree>
@@ -7888,7 +9150,7 @@
         </p:nvGrpSpPr>
         <p:grpSpPr>
           <a:xfrm>
-            <a:off x="-2082951" y="-712357"/>
+            <a:off x="-2082951" y="-800100"/>
             <a:ext cx="22453902" cy="11711713"/>
             <a:chOff x="0" y="0"/>
             <a:chExt cx="5913785" cy="3084566"/>
@@ -8011,7 +9273,7 @@
               <a:t>GDB- SAFE </a:t>
             </a:r>
             <a:r>
-              <a:rPr lang="en-US" sz="3600" spc="-86" dirty="0">
+              <a:rPr lang="en-US" sz="4400" spc="-86" dirty="0">
                 <a:solidFill>
                   <a:srgbClr val="1C2120"/>
                 </a:solidFill>
@@ -8324,7 +9586,7 @@
 </p:sld>
 </file>
 
-<file path=ppt/slides/slide14.xml><?xml version="1.0" encoding="utf-8"?>
+<file path=ppt/slides/slide15.xml><?xml version="1.0" encoding="utf-8"?>
 <p:sld xmlns:a="http://schemas.openxmlformats.org/drawingml/2006/main" xmlns:r="http://schemas.openxmlformats.org/officeDocument/2006/relationships" xmlns:p="http://schemas.openxmlformats.org/presentationml/2006/main">
   <p:cSld>
     <p:spTree>
@@ -8832,7 +10094,7 @@
 </p:sld>
 </file>
 
-<file path=ppt/slides/slide15.xml><?xml version="1.0" encoding="utf-8"?>
+<file path=ppt/slides/slide16.xml><?xml version="1.0" encoding="utf-8"?>
 <p:sld xmlns:a="http://schemas.openxmlformats.org/drawingml/2006/main" xmlns:r="http://schemas.openxmlformats.org/officeDocument/2006/relationships" xmlns:p="http://schemas.openxmlformats.org/presentationml/2006/main">
   <p:cSld>
     <p:spTree>
@@ -9454,7 +10716,7 @@
 </p:sld>
 </file>
 
-<file path=ppt/slides/slide16.xml><?xml version="1.0" encoding="utf-8"?>
+<file path=ppt/slides/slide17.xml><?xml version="1.0" encoding="utf-8"?>
 <p:sld xmlns:a="http://schemas.openxmlformats.org/drawingml/2006/main" xmlns:r="http://schemas.openxmlformats.org/officeDocument/2006/relationships" xmlns:p="http://schemas.openxmlformats.org/presentationml/2006/main">
   <p:cSld>
     <p:spTree>
@@ -10519,7 +11781,7 @@
 </p:sld>
 </file>
 
-<file path=ppt/slides/slide17.xml><?xml version="1.0" encoding="utf-8"?>
+<file path=ppt/slides/slide18.xml><?xml version="1.0" encoding="utf-8"?>
 <p:sld xmlns:a="http://schemas.openxmlformats.org/drawingml/2006/main" xmlns:r="http://schemas.openxmlformats.org/officeDocument/2006/relationships" xmlns:p="http://schemas.openxmlformats.org/presentationml/2006/main">
   <p:cSld>
     <p:spTree>
@@ -10958,7 +12220,7 @@
 </p:sld>
 </file>
 
-<file path=ppt/slides/slide18.xml><?xml version="1.0" encoding="utf-8"?>
+<file path=ppt/slides/slide19.xml><?xml version="1.0" encoding="utf-8"?>
 <p:sld xmlns:a="http://schemas.openxmlformats.org/drawingml/2006/main" xmlns:r="http://schemas.openxmlformats.org/officeDocument/2006/relationships" xmlns:p="http://schemas.openxmlformats.org/presentationml/2006/main">
   <p:cSld>
     <p:spTree>
@@ -11157,217 +12419,6 @@
                 <a:sym typeface="Poppins"/>
               </a:rPr>
               <a:t>Q&amp;A</a:t>
-            </a:r>
-          </a:p>
-        </p:txBody>
-      </p:sp>
-    </p:spTree>
-  </p:cSld>
-  <p:clrMapOvr>
-    <a:masterClrMapping/>
-  </p:clrMapOvr>
-</p:sld>
-</file>
-
-<file path=ppt/slides/slide19.xml><?xml version="1.0" encoding="utf-8"?>
-<p:sld xmlns:a="http://schemas.openxmlformats.org/drawingml/2006/main" xmlns:r="http://schemas.openxmlformats.org/officeDocument/2006/relationships" xmlns:p="http://schemas.openxmlformats.org/presentationml/2006/main">
-  <p:cSld>
-    <p:spTree>
-      <p:nvGrpSpPr>
-        <p:cNvPr id="1" name=""/>
-        <p:cNvGrpSpPr/>
-        <p:nvPr/>
-      </p:nvGrpSpPr>
-      <p:grpSpPr>
-        <a:xfrm>
-          <a:off x="0" y="0"/>
-          <a:ext cx="0" cy="0"/>
-          <a:chOff x="0" y="0"/>
-          <a:chExt cx="0" cy="0"/>
-        </a:xfrm>
-      </p:grpSpPr>
-      <p:sp>
-        <p:nvSpPr>
-          <p:cNvPr id="2" name="Freeform 2" descr="Modern Art Painting In White "/>
-          <p:cNvSpPr/>
-          <p:nvPr/>
-        </p:nvSpPr>
-        <p:spPr>
-          <a:xfrm>
-            <a:off x="-2101622" y="-767350"/>
-            <a:ext cx="22013892" cy="12354774"/>
-          </a:xfrm>
-          <a:custGeom>
-            <a:avLst/>
-            <a:gdLst/>
-            <a:ahLst/>
-            <a:cxnLst/>
-            <a:rect l="l" t="t" r="r" b="b"/>
-            <a:pathLst>
-              <a:path w="22013892" h="12354774">
-                <a:moveTo>
-                  <a:pt x="0" y="0"/>
-                </a:moveTo>
-                <a:lnTo>
-                  <a:pt x="22013891" y="0"/>
-                </a:lnTo>
-                <a:lnTo>
-                  <a:pt x="22013891" y="12354775"/>
-                </a:lnTo>
-                <a:lnTo>
-                  <a:pt x="0" y="12354775"/>
-                </a:lnTo>
-                <a:lnTo>
-                  <a:pt x="0" y="0"/>
-                </a:lnTo>
-                <a:close/>
-              </a:path>
-            </a:pathLst>
-          </a:custGeom>
-          <a:blipFill>
-            <a:blip r:embed="rId2"/>
-            <a:stretch>
-              <a:fillRect t="-9467" b="-9467"/>
-            </a:stretch>
-          </a:blipFill>
-        </p:spPr>
-        <p:txBody>
-          <a:bodyPr/>
-          <a:lstStyle/>
-          <a:p>
-            <a:endParaRPr lang="en-US"/>
-          </a:p>
-        </p:txBody>
-      </p:sp>
-      <p:grpSp>
-        <p:nvGrpSpPr>
-          <p:cNvPr id="3" name="Group 3"/>
-          <p:cNvGrpSpPr/>
-          <p:nvPr/>
-        </p:nvGrpSpPr>
-        <p:grpSpPr>
-          <a:xfrm>
-            <a:off x="-1793400" y="-712357"/>
-            <a:ext cx="22453902" cy="11711713"/>
-            <a:chOff x="0" y="0"/>
-            <a:chExt cx="5913785" cy="3084566"/>
-          </a:xfrm>
-        </p:grpSpPr>
-        <p:sp>
-          <p:nvSpPr>
-            <p:cNvPr id="4" name="Freeform 4"/>
-            <p:cNvSpPr/>
-            <p:nvPr/>
-          </p:nvSpPr>
-          <p:spPr>
-            <a:xfrm>
-              <a:off x="0" y="0"/>
-              <a:ext cx="5913785" cy="3084567"/>
-            </a:xfrm>
-            <a:custGeom>
-              <a:avLst/>
-              <a:gdLst/>
-              <a:ahLst/>
-              <a:cxnLst/>
-              <a:rect l="l" t="t" r="r" b="b"/>
-              <a:pathLst>
-                <a:path w="5913785" h="3084567">
-                  <a:moveTo>
-                    <a:pt x="0" y="0"/>
-                  </a:moveTo>
-                  <a:lnTo>
-                    <a:pt x="5913785" y="0"/>
-                  </a:lnTo>
-                  <a:lnTo>
-                    <a:pt x="5913785" y="3084567"/>
-                  </a:lnTo>
-                  <a:lnTo>
-                    <a:pt x="0" y="3084567"/>
-                  </a:lnTo>
-                  <a:close/>
-                </a:path>
-              </a:pathLst>
-            </a:custGeom>
-            <a:solidFill>
-              <a:srgbClr val="AAD7D4">
-                <a:alpha val="28627"/>
-              </a:srgbClr>
-            </a:solidFill>
-          </p:spPr>
-          <p:txBody>
-            <a:bodyPr/>
-            <a:lstStyle/>
-            <a:p>
-              <a:endParaRPr lang="en-US"/>
-            </a:p>
-          </p:txBody>
-        </p:sp>
-        <p:sp>
-          <p:nvSpPr>
-            <p:cNvPr id="5" name="TextBox 5"/>
-            <p:cNvSpPr txBox="1"/>
-            <p:nvPr/>
-          </p:nvSpPr>
-          <p:spPr>
-            <a:xfrm>
-              <a:off x="0" y="-38100"/>
-              <a:ext cx="5913785" cy="3122666"/>
-            </a:xfrm>
-            <a:prstGeom prst="rect">
-              <a:avLst/>
-            </a:prstGeom>
-          </p:spPr>
-          <p:txBody>
-            <a:bodyPr lIns="50800" tIns="50800" rIns="50800" bIns="50800" rtlCol="0" anchor="ctr"/>
-            <a:lstStyle/>
-            <a:p>
-              <a:pPr algn="ctr">
-                <a:lnSpc>
-                  <a:spcPts val="2659"/>
-                </a:lnSpc>
-              </a:pPr>
-              <a:endParaRPr/>
-            </a:p>
-          </p:txBody>
-        </p:sp>
-      </p:grpSp>
-      <p:sp>
-        <p:nvSpPr>
-          <p:cNvPr id="6" name="TextBox 6"/>
-          <p:cNvSpPr txBox="1"/>
-          <p:nvPr/>
-        </p:nvSpPr>
-        <p:spPr>
-          <a:xfrm>
-            <a:off x="3600450" y="4291012"/>
-            <a:ext cx="11087100" cy="1609725"/>
-          </a:xfrm>
-          <a:prstGeom prst="rect">
-            <a:avLst/>
-          </a:prstGeom>
-        </p:spPr>
-        <p:txBody>
-          <a:bodyPr lIns="0" tIns="0" rIns="0" bIns="0" rtlCol="0" anchor="t">
-            <a:spAutoFit/>
-          </a:bodyPr>
-          <a:lstStyle/>
-          <a:p>
-            <a:pPr marL="0" lvl="0" indent="0" algn="ctr">
-              <a:lnSpc>
-                <a:spcPts val="11999"/>
-              </a:lnSpc>
-            </a:pPr>
-            <a:r>
-              <a:rPr lang="en-US" sz="9999" spc="-199">
-                <a:solidFill>
-                  <a:srgbClr val="1C2120"/>
-                </a:solidFill>
-                <a:latin typeface="Poppins"/>
-                <a:ea typeface="Poppins"/>
-                <a:cs typeface="Poppins"/>
-                <a:sym typeface="Poppins"/>
-              </a:rPr>
-              <a:t>THANK YOU!</a:t>
             </a:r>
           </a:p>
         </p:txBody>
@@ -12674,7 +13725,7 @@
 </p:sld>
 </file>
 
-<file path=ppt/slides/slide3.xml><?xml version="1.0" encoding="utf-8"?>
+<file path=ppt/slides/slide20.xml><?xml version="1.0" encoding="utf-8"?>
 <p:sld xmlns:a="http://schemas.openxmlformats.org/drawingml/2006/main" xmlns:r="http://schemas.openxmlformats.org/officeDocument/2006/relationships" xmlns:p="http://schemas.openxmlformats.org/presentationml/2006/main">
   <p:cSld>
     <p:spTree>
@@ -12836,391 +13887,16 @@
           </p:txBody>
         </p:sp>
       </p:grpSp>
-      <p:grpSp>
-        <p:nvGrpSpPr>
-          <p:cNvPr id="6" name="Group 6"/>
-          <p:cNvGrpSpPr/>
-          <p:nvPr/>
-        </p:nvGrpSpPr>
-        <p:grpSpPr>
-          <a:xfrm>
-            <a:off x="7531100" y="2373542"/>
-            <a:ext cx="9220200" cy="5539917"/>
-            <a:chOff x="0" y="0"/>
-            <a:chExt cx="12293600" cy="7386556"/>
-          </a:xfrm>
-        </p:grpSpPr>
-        <p:sp>
-          <p:nvSpPr>
-            <p:cNvPr id="7" name="TextBox 7"/>
-            <p:cNvSpPr txBox="1"/>
-            <p:nvPr/>
-          </p:nvSpPr>
-          <p:spPr>
-            <a:xfrm>
-              <a:off x="0" y="1271506"/>
-              <a:ext cx="12293600" cy="6115050"/>
-            </a:xfrm>
-            <a:prstGeom prst="rect">
-              <a:avLst/>
-            </a:prstGeom>
-          </p:spPr>
-          <p:txBody>
-            <a:bodyPr lIns="0" tIns="0" rIns="0" bIns="0" rtlCol="0" anchor="t">
-              <a:spAutoFit/>
-            </a:bodyPr>
-            <a:lstStyle/>
-            <a:p>
-              <a:pPr marL="0" lvl="0" indent="0" algn="l">
-                <a:lnSpc>
-                  <a:spcPts val="2449"/>
-                </a:lnSpc>
-                <a:spcBef>
-                  <a:spcPct val="0"/>
-                </a:spcBef>
-              </a:pPr>
-              <a:r>
-                <a:rPr lang="en-US" sz="2041" b="1" u="none" strike="noStrike" spc="-40">
-                  <a:solidFill>
-                    <a:srgbClr val="1C2120"/>
-                  </a:solidFill>
-                  <a:latin typeface="Poppins Bold"/>
-                  <a:ea typeface="Poppins Bold"/>
-                  <a:cs typeface="Poppins Bold"/>
-                  <a:sym typeface="Poppins Bold"/>
-                </a:rPr>
-                <a:t>WHY RUST?</a:t>
-              </a:r>
-            </a:p>
-            <a:p>
-              <a:pPr marL="0" lvl="0" indent="0" algn="l">
-                <a:lnSpc>
-                  <a:spcPts val="2449"/>
-                </a:lnSpc>
-                <a:spcBef>
-                  <a:spcPct val="0"/>
-                </a:spcBef>
-              </a:pPr>
-              <a:endParaRPr lang="en-US" sz="2041" b="1" u="none" strike="noStrike" spc="-40">
-                <a:solidFill>
-                  <a:srgbClr val="1C2120"/>
-                </a:solidFill>
-                <a:latin typeface="Poppins Bold"/>
-                <a:ea typeface="Poppins Bold"/>
-                <a:cs typeface="Poppins Bold"/>
-                <a:sym typeface="Poppins Bold"/>
-              </a:endParaRPr>
-            </a:p>
-            <a:p>
-              <a:pPr marL="440739" lvl="1" indent="-220369" algn="l">
-                <a:lnSpc>
-                  <a:spcPts val="2449"/>
-                </a:lnSpc>
-                <a:spcBef>
-                  <a:spcPct val="0"/>
-                </a:spcBef>
-                <a:buFont typeface="Arial"/>
-                <a:buChar char="•"/>
-              </a:pPr>
-              <a:r>
-                <a:rPr lang="en-US" sz="2041" u="none" strike="noStrike" spc="-40">
-                  <a:solidFill>
-                    <a:srgbClr val="1C2120"/>
-                  </a:solidFill>
-                  <a:latin typeface="Poppins"/>
-                  <a:ea typeface="Poppins"/>
-                  <a:cs typeface="Poppins"/>
-                  <a:sym typeface="Poppins"/>
-                </a:rPr>
-                <a:t>MODERN SYSTEMS PROGRAMMING LANGUAGE</a:t>
-              </a:r>
-            </a:p>
-            <a:p>
-              <a:pPr marL="440739" lvl="1" indent="-220369" algn="l">
-                <a:lnSpc>
-                  <a:spcPts val="2449"/>
-                </a:lnSpc>
-                <a:spcBef>
-                  <a:spcPct val="0"/>
-                </a:spcBef>
-                <a:buFont typeface="Arial"/>
-                <a:buChar char="•"/>
-              </a:pPr>
-              <a:r>
-                <a:rPr lang="en-US" sz="2041" u="none" strike="noStrike" spc="-40">
-                  <a:solidFill>
-                    <a:srgbClr val="1C2120"/>
-                  </a:solidFill>
-                  <a:latin typeface="Poppins"/>
-                  <a:ea typeface="Poppins"/>
-                  <a:cs typeface="Poppins"/>
-                  <a:sym typeface="Poppins"/>
-                </a:rPr>
-                <a:t>GUARANTEES MEMORY SAFETY, NO NULLS, NO BUFFER OVERFLOWS</a:t>
-              </a:r>
-            </a:p>
-            <a:p>
-              <a:pPr marL="440739" lvl="1" indent="-220369" algn="l">
-                <a:lnSpc>
-                  <a:spcPts val="2449"/>
-                </a:lnSpc>
-                <a:spcBef>
-                  <a:spcPct val="0"/>
-                </a:spcBef>
-                <a:buFont typeface="Arial"/>
-                <a:buChar char="•"/>
-              </a:pPr>
-              <a:r>
-                <a:rPr lang="en-US" sz="2041" u="none" strike="noStrike" spc="-40">
-                  <a:solidFill>
-                    <a:srgbClr val="1C2120"/>
-                  </a:solidFill>
-                  <a:latin typeface="Poppins"/>
-                  <a:ea typeface="Poppins"/>
-                  <a:cs typeface="Poppins"/>
-                  <a:sym typeface="Poppins"/>
-                </a:rPr>
-                <a:t>ELIMINATES MANY COMMON C/C++ BUGS</a:t>
-              </a:r>
-            </a:p>
-            <a:p>
-              <a:pPr marL="0" lvl="0" indent="0" algn="l">
-                <a:lnSpc>
-                  <a:spcPts val="2449"/>
-                </a:lnSpc>
-                <a:spcBef>
-                  <a:spcPct val="0"/>
-                </a:spcBef>
-              </a:pPr>
-              <a:endParaRPr lang="en-US" sz="2041" u="none" strike="noStrike" spc="-40">
-                <a:solidFill>
-                  <a:srgbClr val="1C2120"/>
-                </a:solidFill>
-                <a:latin typeface="Poppins"/>
-                <a:ea typeface="Poppins"/>
-                <a:cs typeface="Poppins"/>
-                <a:sym typeface="Poppins"/>
-              </a:endParaRPr>
-            </a:p>
-            <a:p>
-              <a:pPr marL="0" lvl="0" indent="0" algn="l">
-                <a:lnSpc>
-                  <a:spcPts val="2449"/>
-                </a:lnSpc>
-                <a:spcBef>
-                  <a:spcPct val="0"/>
-                </a:spcBef>
-              </a:pPr>
-              <a:r>
-                <a:rPr lang="en-US" sz="2041" b="1" u="none" strike="noStrike" spc="-40">
-                  <a:solidFill>
-                    <a:srgbClr val="1C2120"/>
-                  </a:solidFill>
-                  <a:latin typeface="Poppins Bold"/>
-                  <a:ea typeface="Poppins Bold"/>
-                  <a:cs typeface="Poppins Bold"/>
-                  <a:sym typeface="Poppins Bold"/>
-                </a:rPr>
-                <a:t>BUT…</a:t>
-              </a:r>
-            </a:p>
-            <a:p>
-              <a:pPr marL="0" lvl="0" indent="0" algn="l">
-                <a:lnSpc>
-                  <a:spcPts val="2449"/>
-                </a:lnSpc>
-                <a:spcBef>
-                  <a:spcPct val="0"/>
-                </a:spcBef>
-              </a:pPr>
-              <a:endParaRPr lang="en-US" sz="2041" b="1" u="none" strike="noStrike" spc="-40">
-                <a:solidFill>
-                  <a:srgbClr val="1C2120"/>
-                </a:solidFill>
-                <a:latin typeface="Poppins Bold"/>
-                <a:ea typeface="Poppins Bold"/>
-                <a:cs typeface="Poppins Bold"/>
-                <a:sym typeface="Poppins Bold"/>
-              </a:endParaRPr>
-            </a:p>
-            <a:p>
-              <a:pPr marL="440739" lvl="1" indent="-220369" algn="l">
-                <a:lnSpc>
-                  <a:spcPts val="2449"/>
-                </a:lnSpc>
-                <a:spcBef>
-                  <a:spcPct val="0"/>
-                </a:spcBef>
-                <a:buFont typeface="Arial"/>
-                <a:buChar char="•"/>
-              </a:pPr>
-              <a:r>
-                <a:rPr lang="en-US" sz="2041" u="none" strike="noStrike" spc="-40">
-                  <a:solidFill>
-                    <a:srgbClr val="1C2120"/>
-                  </a:solidFill>
-                  <a:latin typeface="Poppins"/>
-                  <a:ea typeface="Poppins"/>
-                  <a:cs typeface="Poppins"/>
-                  <a:sym typeface="Poppins"/>
-                </a:rPr>
-                <a:t>UNSAFE CODE, FFI, AND CONCURRENCY CAN INTRODUCE VULNERABILITIES</a:t>
-              </a:r>
-            </a:p>
-            <a:p>
-              <a:pPr marL="440739" lvl="1" indent="-220369" algn="l">
-                <a:lnSpc>
-                  <a:spcPts val="2449"/>
-                </a:lnSpc>
-                <a:spcBef>
-                  <a:spcPct val="0"/>
-                </a:spcBef>
-                <a:buFont typeface="Arial"/>
-                <a:buChar char="•"/>
-              </a:pPr>
-              <a:r>
-                <a:rPr lang="en-US" sz="2041" u="none" strike="noStrike" spc="-40">
-                  <a:solidFill>
-                    <a:srgbClr val="1C2120"/>
-                  </a:solidFill>
-                  <a:latin typeface="Poppins"/>
-                  <a:ea typeface="Poppins"/>
-                  <a:cs typeface="Poppins"/>
-                  <a:sym typeface="Poppins"/>
-                </a:rPr>
-                <a:t>SECURITY BUGS LIKE USE-AFTER-FREE OR DATA RACES CAN STILL OCCUR</a:t>
-              </a:r>
-            </a:p>
-            <a:p>
-              <a:pPr marL="0" lvl="0" indent="0" algn="l">
-                <a:lnSpc>
-                  <a:spcPts val="2449"/>
-                </a:lnSpc>
-                <a:spcBef>
-                  <a:spcPct val="0"/>
-                </a:spcBef>
-              </a:pPr>
-              <a:endParaRPr lang="en-US" sz="2041" u="none" strike="noStrike" spc="-40">
-                <a:solidFill>
-                  <a:srgbClr val="1C2120"/>
-                </a:solidFill>
-                <a:latin typeface="Poppins"/>
-                <a:ea typeface="Poppins"/>
-                <a:cs typeface="Poppins"/>
-                <a:sym typeface="Poppins"/>
-              </a:endParaRPr>
-            </a:p>
-            <a:p>
-              <a:pPr marL="0" lvl="0" indent="0" algn="l">
-                <a:lnSpc>
-                  <a:spcPts val="2449"/>
-                </a:lnSpc>
-                <a:spcBef>
-                  <a:spcPct val="0"/>
-                </a:spcBef>
-              </a:pPr>
-              <a:r>
-                <a:rPr lang="en-US" sz="2041" b="1" u="none" strike="noStrike" spc="-40">
-                  <a:solidFill>
-                    <a:srgbClr val="1C2120"/>
-                  </a:solidFill>
-                  <a:latin typeface="Poppins Bold"/>
-                  <a:ea typeface="Poppins Bold"/>
-                  <a:cs typeface="Poppins Bold"/>
-                  <a:sym typeface="Poppins Bold"/>
-                </a:rPr>
-                <a:t>PROJECT GOAL:</a:t>
-              </a:r>
-            </a:p>
-            <a:p>
-              <a:pPr marL="0" lvl="0" indent="0" algn="l">
-                <a:lnSpc>
-                  <a:spcPts val="2449"/>
-                </a:lnSpc>
-                <a:spcBef>
-                  <a:spcPct val="0"/>
-                </a:spcBef>
-              </a:pPr>
-              <a:endParaRPr lang="en-US" sz="2041" b="1" u="none" strike="noStrike" spc="-40">
-                <a:solidFill>
-                  <a:srgbClr val="1C2120"/>
-                </a:solidFill>
-                <a:latin typeface="Poppins Bold"/>
-                <a:ea typeface="Poppins Bold"/>
-                <a:cs typeface="Poppins Bold"/>
-                <a:sym typeface="Poppins Bold"/>
-              </a:endParaRPr>
-            </a:p>
-            <a:p>
-              <a:pPr marL="440739" lvl="1" indent="-220369" algn="l">
-                <a:lnSpc>
-                  <a:spcPts val="2449"/>
-                </a:lnSpc>
-                <a:spcBef>
-                  <a:spcPct val="0"/>
-                </a:spcBef>
-                <a:buFont typeface="Arial"/>
-                <a:buChar char="•"/>
-              </a:pPr>
-              <a:r>
-                <a:rPr lang="en-US" sz="2041" u="none" strike="noStrike" spc="-40">
-                  <a:solidFill>
-                    <a:srgbClr val="1C2120"/>
-                  </a:solidFill>
-                  <a:latin typeface="Poppins"/>
-                  <a:ea typeface="Poppins"/>
-                  <a:cs typeface="Poppins"/>
-                  <a:sym typeface="Poppins"/>
-                </a:rPr>
-                <a:t>DETECT AND ANALYZE SYSTEM-LEVEL VULNERABILITIES IN RUST USING DYNAMIC DEBUGGING TOOLS LIKE MIRI, GDB, AND ADDRESSSANITIZER.</a:t>
-              </a:r>
-            </a:p>
-          </p:txBody>
-        </p:sp>
-        <p:sp>
-          <p:nvSpPr>
-            <p:cNvPr id="8" name="TextBox 8"/>
-            <p:cNvSpPr txBox="1"/>
-            <p:nvPr/>
-          </p:nvSpPr>
-          <p:spPr>
-            <a:xfrm>
-              <a:off x="0" y="-57150"/>
-              <a:ext cx="12293600" cy="666750"/>
-            </a:xfrm>
-            <a:prstGeom prst="rect">
-              <a:avLst/>
-            </a:prstGeom>
-          </p:spPr>
-          <p:txBody>
-            <a:bodyPr lIns="0" tIns="0" rIns="0" bIns="0" rtlCol="0" anchor="t">
-              <a:spAutoFit/>
-            </a:bodyPr>
-            <a:lstStyle/>
-            <a:p>
-              <a:pPr marL="0" lvl="0" indent="0" algn="l">
-                <a:lnSpc>
-                  <a:spcPts val="3900"/>
-                </a:lnSpc>
-                <a:spcBef>
-                  <a:spcPct val="0"/>
-                </a:spcBef>
-              </a:pPr>
-              <a:endParaRPr/>
-            </a:p>
-          </p:txBody>
-        </p:sp>
-      </p:grpSp>
       <p:sp>
         <p:nvSpPr>
-          <p:cNvPr id="9" name="TextBox 9"/>
+          <p:cNvPr id="6" name="TextBox 6"/>
           <p:cNvSpPr txBox="1"/>
           <p:nvPr/>
         </p:nvSpPr>
         <p:spPr>
           <a:xfrm>
-            <a:off x="1384300" y="1609816"/>
-            <a:ext cx="4762500" cy="696706"/>
+            <a:off x="3600450" y="4291012"/>
+            <a:ext cx="11087100" cy="1609725"/>
           </a:xfrm>
           <a:prstGeom prst="rect">
             <a:avLst/>
@@ -13232,6 +13908,736 @@
           </a:bodyPr>
           <a:lstStyle/>
           <a:p>
+            <a:pPr marL="0" lvl="0" indent="0" algn="ctr">
+              <a:lnSpc>
+                <a:spcPts val="11999"/>
+              </a:lnSpc>
+            </a:pPr>
+            <a:r>
+              <a:rPr lang="en-US" sz="9999" spc="-199">
+                <a:solidFill>
+                  <a:srgbClr val="1C2120"/>
+                </a:solidFill>
+                <a:latin typeface="Poppins"/>
+                <a:ea typeface="Poppins"/>
+                <a:cs typeface="Poppins"/>
+                <a:sym typeface="Poppins"/>
+              </a:rPr>
+              <a:t>THANK YOU!</a:t>
+            </a:r>
+          </a:p>
+        </p:txBody>
+      </p:sp>
+      <p:sp>
+        <p:nvSpPr>
+          <p:cNvPr id="7" name="TextBox 6">
+            <a:extLst>
+              <a:ext uri="{FF2B5EF4-FFF2-40B4-BE49-F238E27FC236}">
+                <a16:creationId xmlns:a16="http://schemas.microsoft.com/office/drawing/2014/main" id="{2FA6B8DB-D101-42AC-F056-6C9BAAB842A4}"/>
+              </a:ext>
+            </a:extLst>
+          </p:cNvPr>
+          <p:cNvSpPr txBox="1"/>
+          <p:nvPr/>
+        </p:nvSpPr>
+        <p:spPr>
+          <a:xfrm>
+            <a:off x="2286000" y="6896100"/>
+            <a:ext cx="13215293" cy="1200329"/>
+          </a:xfrm>
+          <a:prstGeom prst="rect">
+            <a:avLst/>
+          </a:prstGeom>
+          <a:noFill/>
+        </p:spPr>
+        <p:txBody>
+          <a:bodyPr wrap="square" rtlCol="0">
+            <a:spAutoFit/>
+          </a:bodyPr>
+          <a:lstStyle/>
+          <a:p>
+            <a:pPr>
+              <a:buNone/>
+            </a:pPr>
+            <a:r>
+              <a:rPr lang="en-US" dirty="0">
+                <a:latin typeface="League Spartan" panose="020B0604020202020204" charset="0"/>
+              </a:rPr>
+              <a:t>🔗 You can explore the complete project on my GitHub:</a:t>
+            </a:r>
+          </a:p>
+          <a:p>
+            <a:pPr marL="285750" indent="-285750">
+              <a:buFont typeface="Arial" panose="020B0604020202020204" pitchFamily="34" charset="0"/>
+              <a:buChar char="•"/>
+            </a:pPr>
+            <a:r>
+              <a:rPr lang="en-US" b="1" dirty="0">
+                <a:latin typeface="League Spartan" panose="020B0604020202020204" charset="0"/>
+              </a:rPr>
+              <a:t>GitHub Repository:</a:t>
+            </a:r>
+            <a:br>
+              <a:rPr lang="en-US">
+                <a:latin typeface="League Spartan" panose="020B0604020202020204" charset="0"/>
+              </a:rPr>
+            </a:br>
+            <a:r>
+              <a:rPr lang="en-US" u="sng">
+                <a:latin typeface="League Spartan" panose="020B0604020202020204" charset="0"/>
+                <a:hlinkClick r:id="rId3"/>
+              </a:rPr>
+              <a:t>https://github.com/viseshb/Rust-System-Programming-Vulnerabilities-Detection-Using-Dynamic-Debugging</a:t>
+            </a:r>
+            <a:endParaRPr lang="en-US" u="sng">
+              <a:latin typeface="League Spartan" panose="020B0604020202020204" charset="0"/>
+            </a:endParaRPr>
+          </a:p>
+          <a:p>
+            <a:pPr marL="285750" indent="-285750">
+              <a:buFont typeface="Arial" panose="020B0604020202020204" pitchFamily="34" charset="0"/>
+              <a:buChar char="•"/>
+            </a:pPr>
+            <a:r>
+              <a:rPr lang="en-US">
+                <a:latin typeface="League Spartan" panose="020B0604020202020204" charset="0"/>
+              </a:rPr>
+              <a:t>Feel </a:t>
+            </a:r>
+            <a:r>
+              <a:rPr lang="en-US" dirty="0">
+                <a:latin typeface="League Spartan" panose="020B0604020202020204" charset="0"/>
+              </a:rPr>
+              <a:t>free to check out the code, leave feedback, or contribute!</a:t>
+            </a:r>
+          </a:p>
+        </p:txBody>
+      </p:sp>
+    </p:spTree>
+  </p:cSld>
+  <p:clrMapOvr>
+    <a:masterClrMapping/>
+  </p:clrMapOvr>
+</p:sld>
+</file>
+
+<file path=ppt/slides/slide3.xml><?xml version="1.0" encoding="utf-8"?>
+<p:sld xmlns:a="http://schemas.openxmlformats.org/drawingml/2006/main" xmlns:r="http://schemas.openxmlformats.org/officeDocument/2006/relationships" xmlns:p="http://schemas.openxmlformats.org/presentationml/2006/main">
+  <p:cSld>
+    <p:spTree>
+      <p:nvGrpSpPr>
+        <p:cNvPr id="1" name="">
+          <a:extLst>
+            <a:ext uri="{FF2B5EF4-FFF2-40B4-BE49-F238E27FC236}">
+              <a16:creationId xmlns:a16="http://schemas.microsoft.com/office/drawing/2014/main" id="{D9D80AA3-E5F2-4C6F-3606-3CC405D37E77}"/>
+            </a:ext>
+          </a:extLst>
+        </p:cNvPr>
+        <p:cNvGrpSpPr/>
+        <p:nvPr/>
+      </p:nvGrpSpPr>
+      <p:grpSpPr>
+        <a:xfrm>
+          <a:off x="0" y="0"/>
+          <a:ext cx="0" cy="0"/>
+          <a:chOff x="0" y="0"/>
+          <a:chExt cx="0" cy="0"/>
+        </a:xfrm>
+      </p:grpSpPr>
+      <p:sp>
+        <p:nvSpPr>
+          <p:cNvPr id="2" name="Freeform 2" descr="Modern Art Painting In White ">
+            <a:extLst>
+              <a:ext uri="{FF2B5EF4-FFF2-40B4-BE49-F238E27FC236}">
+                <a16:creationId xmlns:a16="http://schemas.microsoft.com/office/drawing/2014/main" id="{85F24C0B-68EF-CA56-871F-4176540172A2}"/>
+              </a:ext>
+            </a:extLst>
+          </p:cNvPr>
+          <p:cNvSpPr/>
+          <p:nvPr/>
+        </p:nvSpPr>
+        <p:spPr>
+          <a:xfrm>
+            <a:off x="-2101622" y="-767350"/>
+            <a:ext cx="22013892" cy="12354774"/>
+          </a:xfrm>
+          <a:custGeom>
+            <a:avLst/>
+            <a:gdLst/>
+            <a:ahLst/>
+            <a:cxnLst/>
+            <a:rect l="l" t="t" r="r" b="b"/>
+            <a:pathLst>
+              <a:path w="22013892" h="12354774">
+                <a:moveTo>
+                  <a:pt x="0" y="0"/>
+                </a:moveTo>
+                <a:lnTo>
+                  <a:pt x="22013891" y="0"/>
+                </a:lnTo>
+                <a:lnTo>
+                  <a:pt x="22013891" y="12354775"/>
+                </a:lnTo>
+                <a:lnTo>
+                  <a:pt x="0" y="12354775"/>
+                </a:lnTo>
+                <a:lnTo>
+                  <a:pt x="0" y="0"/>
+                </a:lnTo>
+                <a:close/>
+              </a:path>
+            </a:pathLst>
+          </a:custGeom>
+          <a:blipFill>
+            <a:blip r:embed="rId2"/>
+            <a:stretch>
+              <a:fillRect t="-9467" b="-9467"/>
+            </a:stretch>
+          </a:blipFill>
+        </p:spPr>
+        <p:txBody>
+          <a:bodyPr/>
+          <a:lstStyle/>
+          <a:p>
+            <a:endParaRPr lang="en-US"/>
+          </a:p>
+        </p:txBody>
+      </p:sp>
+      <p:grpSp>
+        <p:nvGrpSpPr>
+          <p:cNvPr id="3" name="Group 3">
+            <a:extLst>
+              <a:ext uri="{FF2B5EF4-FFF2-40B4-BE49-F238E27FC236}">
+                <a16:creationId xmlns:a16="http://schemas.microsoft.com/office/drawing/2014/main" id="{86D1CEC4-1F60-AA30-42ED-69D34008719D}"/>
+              </a:ext>
+            </a:extLst>
+          </p:cNvPr>
+          <p:cNvGrpSpPr/>
+          <p:nvPr/>
+        </p:nvGrpSpPr>
+        <p:grpSpPr>
+          <a:xfrm>
+            <a:off x="-1793400" y="-712357"/>
+            <a:ext cx="22453902" cy="11711713"/>
+            <a:chOff x="0" y="0"/>
+            <a:chExt cx="5913785" cy="3084566"/>
+          </a:xfrm>
+        </p:grpSpPr>
+        <p:sp>
+          <p:nvSpPr>
+            <p:cNvPr id="4" name="Freeform 4">
+              <a:extLst>
+                <a:ext uri="{FF2B5EF4-FFF2-40B4-BE49-F238E27FC236}">
+                  <a16:creationId xmlns:a16="http://schemas.microsoft.com/office/drawing/2014/main" id="{162039ED-4956-8D07-3A8D-F36AED1B095A}"/>
+                </a:ext>
+              </a:extLst>
+            </p:cNvPr>
+            <p:cNvSpPr/>
+            <p:nvPr/>
+          </p:nvSpPr>
+          <p:spPr>
+            <a:xfrm>
+              <a:off x="0" y="0"/>
+              <a:ext cx="5913785" cy="3084567"/>
+            </a:xfrm>
+            <a:custGeom>
+              <a:avLst/>
+              <a:gdLst/>
+              <a:ahLst/>
+              <a:cxnLst/>
+              <a:rect l="l" t="t" r="r" b="b"/>
+              <a:pathLst>
+                <a:path w="5913785" h="3084567">
+                  <a:moveTo>
+                    <a:pt x="0" y="0"/>
+                  </a:moveTo>
+                  <a:lnTo>
+                    <a:pt x="5913785" y="0"/>
+                  </a:lnTo>
+                  <a:lnTo>
+                    <a:pt x="5913785" y="3084567"/>
+                  </a:lnTo>
+                  <a:lnTo>
+                    <a:pt x="0" y="3084567"/>
+                  </a:lnTo>
+                  <a:close/>
+                </a:path>
+              </a:pathLst>
+            </a:custGeom>
+            <a:solidFill>
+              <a:srgbClr val="AAD7D4">
+                <a:alpha val="28627"/>
+              </a:srgbClr>
+            </a:solidFill>
+          </p:spPr>
+          <p:txBody>
+            <a:bodyPr/>
+            <a:lstStyle/>
+            <a:p>
+              <a:endParaRPr lang="en-US" dirty="0"/>
+            </a:p>
+          </p:txBody>
+        </p:sp>
+        <p:sp>
+          <p:nvSpPr>
+            <p:cNvPr id="5" name="TextBox 5">
+              <a:extLst>
+                <a:ext uri="{FF2B5EF4-FFF2-40B4-BE49-F238E27FC236}">
+                  <a16:creationId xmlns:a16="http://schemas.microsoft.com/office/drawing/2014/main" id="{6C73A0B6-011F-FFC0-971F-15839588ADC6}"/>
+                </a:ext>
+              </a:extLst>
+            </p:cNvPr>
+            <p:cNvSpPr txBox="1"/>
+            <p:nvPr/>
+          </p:nvSpPr>
+          <p:spPr>
+            <a:xfrm>
+              <a:off x="0" y="-38100"/>
+              <a:ext cx="5913785" cy="3122666"/>
+            </a:xfrm>
+            <a:prstGeom prst="rect">
+              <a:avLst/>
+            </a:prstGeom>
+          </p:spPr>
+          <p:txBody>
+            <a:bodyPr lIns="50800" tIns="50800" rIns="50800" bIns="50800" rtlCol="0" anchor="ctr"/>
+            <a:lstStyle/>
+            <a:p>
+              <a:pPr algn="ctr">
+                <a:lnSpc>
+                  <a:spcPts val="2659"/>
+                </a:lnSpc>
+              </a:pPr>
+              <a:endParaRPr/>
+            </a:p>
+          </p:txBody>
+        </p:sp>
+      </p:grpSp>
+      <p:sp>
+        <p:nvSpPr>
+          <p:cNvPr id="6" name="Freeform 6">
+            <a:extLst>
+              <a:ext uri="{FF2B5EF4-FFF2-40B4-BE49-F238E27FC236}">
+                <a16:creationId xmlns:a16="http://schemas.microsoft.com/office/drawing/2014/main" id="{B1210CD0-1EAC-8962-B2D0-2FACCE7684E9}"/>
+              </a:ext>
+            </a:extLst>
+          </p:cNvPr>
+          <p:cNvSpPr/>
+          <p:nvPr/>
+        </p:nvSpPr>
+        <p:spPr>
+          <a:xfrm>
+            <a:off x="514350" y="641446"/>
+            <a:ext cx="6417473" cy="9004107"/>
+          </a:xfrm>
+          <a:custGeom>
+            <a:avLst/>
+            <a:gdLst/>
+            <a:ahLst/>
+            <a:cxnLst/>
+            <a:rect l="l" t="t" r="r" b="b"/>
+            <a:pathLst>
+              <a:path w="6417473" h="9004107">
+                <a:moveTo>
+                  <a:pt x="0" y="0"/>
+                </a:moveTo>
+                <a:lnTo>
+                  <a:pt x="6417473" y="0"/>
+                </a:lnTo>
+                <a:lnTo>
+                  <a:pt x="6417473" y="9004108"/>
+                </a:lnTo>
+                <a:lnTo>
+                  <a:pt x="0" y="9004108"/>
+                </a:lnTo>
+                <a:lnTo>
+                  <a:pt x="0" y="0"/>
+                </a:lnTo>
+                <a:close/>
+              </a:path>
+            </a:pathLst>
+          </a:custGeom>
+          <a:blipFill>
+            <a:blip r:embed="rId3">
+              <a:extLst>
+                <a:ext uri="{96DAC541-7B7A-43D3-8B79-37D633B846F1}">
+                  <asvg:svgBlip xmlns:asvg="http://schemas.microsoft.com/office/drawing/2016/SVG/main" r:embed="rId4"/>
+                </a:ext>
+              </a:extLst>
+            </a:blip>
+            <a:stretch>
+              <a:fillRect/>
+            </a:stretch>
+          </a:blipFill>
+        </p:spPr>
+        <p:txBody>
+          <a:bodyPr/>
+          <a:lstStyle/>
+          <a:p>
+            <a:endParaRPr lang="en-US"/>
+          </a:p>
+        </p:txBody>
+      </p:sp>
+      <p:sp>
+        <p:nvSpPr>
+          <p:cNvPr id="9" name="TextBox 7">
+            <a:extLst>
+              <a:ext uri="{FF2B5EF4-FFF2-40B4-BE49-F238E27FC236}">
+                <a16:creationId xmlns:a16="http://schemas.microsoft.com/office/drawing/2014/main" id="{B8C05118-E12E-164D-E958-D18FEAD7055F}"/>
+              </a:ext>
+            </a:extLst>
+          </p:cNvPr>
+          <p:cNvSpPr txBox="1"/>
+          <p:nvPr/>
+        </p:nvSpPr>
+        <p:spPr>
+          <a:xfrm>
+            <a:off x="8001000" y="3390900"/>
+            <a:ext cx="9220200" cy="4586288"/>
+          </a:xfrm>
+          <a:prstGeom prst="rect">
+            <a:avLst/>
+          </a:prstGeom>
+        </p:spPr>
+        <p:txBody>
+          <a:bodyPr lIns="0" tIns="0" rIns="0" bIns="0" rtlCol="0" anchor="t">
+            <a:spAutoFit/>
+          </a:bodyPr>
+          <a:lstStyle/>
+          <a:p>
+            <a:pPr marL="0" lvl="0" indent="0" algn="l">
+              <a:lnSpc>
+                <a:spcPts val="2449"/>
+              </a:lnSpc>
+              <a:spcBef>
+                <a:spcPct val="0"/>
+              </a:spcBef>
+            </a:pPr>
+            <a:r>
+              <a:rPr lang="en-US" sz="2041" b="1" u="none" strike="noStrike" spc="-40" dirty="0">
+                <a:solidFill>
+                  <a:srgbClr val="1C2120"/>
+                </a:solidFill>
+                <a:latin typeface="Poppins Bold"/>
+                <a:ea typeface="Poppins Bold"/>
+                <a:cs typeface="Poppins Bold"/>
+                <a:sym typeface="Poppins Bold"/>
+              </a:rPr>
+              <a:t>WHY RUST?</a:t>
+            </a:r>
+          </a:p>
+          <a:p>
+            <a:pPr marL="0" lvl="0" indent="0" algn="l">
+              <a:lnSpc>
+                <a:spcPts val="2449"/>
+              </a:lnSpc>
+              <a:spcBef>
+                <a:spcPct val="0"/>
+              </a:spcBef>
+            </a:pPr>
+            <a:endParaRPr lang="en-US" sz="2041" b="1" u="none" strike="noStrike" spc="-40" dirty="0">
+              <a:solidFill>
+                <a:srgbClr val="1C2120"/>
+              </a:solidFill>
+              <a:latin typeface="Poppins Bold"/>
+              <a:ea typeface="Poppins Bold"/>
+              <a:cs typeface="Poppins Bold"/>
+              <a:sym typeface="Poppins Bold"/>
+            </a:endParaRPr>
+          </a:p>
+          <a:p>
+            <a:pPr marL="440739" lvl="1" indent="-220369" algn="l">
+              <a:lnSpc>
+                <a:spcPts val="2449"/>
+              </a:lnSpc>
+              <a:spcBef>
+                <a:spcPct val="0"/>
+              </a:spcBef>
+              <a:buFont typeface="Arial"/>
+              <a:buChar char="•"/>
+            </a:pPr>
+            <a:r>
+              <a:rPr lang="en-US" sz="2041" u="none" strike="noStrike" spc="-40" dirty="0">
+                <a:solidFill>
+                  <a:srgbClr val="1C2120"/>
+                </a:solidFill>
+                <a:latin typeface="Poppins"/>
+                <a:ea typeface="Poppins"/>
+                <a:cs typeface="Poppins"/>
+                <a:sym typeface="Poppins"/>
+              </a:rPr>
+              <a:t>MODERN SYSTEMS PROGRAMMING LANGUAGE</a:t>
+            </a:r>
+          </a:p>
+          <a:p>
+            <a:pPr marL="440739" lvl="1" indent="-220369" algn="l">
+              <a:lnSpc>
+                <a:spcPts val="2449"/>
+              </a:lnSpc>
+              <a:spcBef>
+                <a:spcPct val="0"/>
+              </a:spcBef>
+              <a:buFont typeface="Arial"/>
+              <a:buChar char="•"/>
+            </a:pPr>
+            <a:r>
+              <a:rPr lang="en-US" sz="2041" u="none" strike="noStrike" spc="-40" dirty="0">
+                <a:solidFill>
+                  <a:srgbClr val="1C2120"/>
+                </a:solidFill>
+                <a:latin typeface="Poppins"/>
+                <a:ea typeface="Poppins"/>
+                <a:cs typeface="Poppins"/>
+                <a:sym typeface="Poppins"/>
+              </a:rPr>
+              <a:t>GUARANTEES MEMORY SAFETY, NO NULLS, NO BUFFER OVERFLOWS</a:t>
+            </a:r>
+          </a:p>
+          <a:p>
+            <a:pPr marL="440739" lvl="1" indent="-220369" algn="l">
+              <a:lnSpc>
+                <a:spcPts val="2449"/>
+              </a:lnSpc>
+              <a:spcBef>
+                <a:spcPct val="0"/>
+              </a:spcBef>
+              <a:buFont typeface="Arial"/>
+              <a:buChar char="•"/>
+            </a:pPr>
+            <a:r>
+              <a:rPr lang="en-US" sz="2041" u="none" strike="noStrike" spc="-40" dirty="0">
+                <a:solidFill>
+                  <a:srgbClr val="1C2120"/>
+                </a:solidFill>
+                <a:latin typeface="Poppins"/>
+                <a:ea typeface="Poppins"/>
+                <a:cs typeface="Poppins"/>
+                <a:sym typeface="Poppins"/>
+              </a:rPr>
+              <a:t>ELIMINATES MANY COMMON C/C++ BUGS</a:t>
+            </a:r>
+          </a:p>
+          <a:p>
+            <a:pPr marL="0" lvl="0" indent="0" algn="l">
+              <a:lnSpc>
+                <a:spcPts val="2449"/>
+              </a:lnSpc>
+              <a:spcBef>
+                <a:spcPct val="0"/>
+              </a:spcBef>
+            </a:pPr>
+            <a:endParaRPr lang="en-US" sz="2041" u="none" strike="noStrike" spc="-40" dirty="0">
+              <a:solidFill>
+                <a:srgbClr val="1C2120"/>
+              </a:solidFill>
+              <a:latin typeface="Poppins"/>
+              <a:ea typeface="Poppins"/>
+              <a:cs typeface="Poppins"/>
+              <a:sym typeface="Poppins"/>
+            </a:endParaRPr>
+          </a:p>
+          <a:p>
+            <a:pPr marL="0" lvl="0" indent="0" algn="l">
+              <a:lnSpc>
+                <a:spcPts val="2449"/>
+              </a:lnSpc>
+              <a:spcBef>
+                <a:spcPct val="0"/>
+              </a:spcBef>
+            </a:pPr>
+            <a:r>
+              <a:rPr lang="en-US" sz="2041" b="1" u="none" strike="noStrike" spc="-40" dirty="0">
+                <a:solidFill>
+                  <a:srgbClr val="1C2120"/>
+                </a:solidFill>
+                <a:latin typeface="Poppins Bold"/>
+                <a:ea typeface="Poppins Bold"/>
+                <a:cs typeface="Poppins Bold"/>
+                <a:sym typeface="Poppins Bold"/>
+              </a:rPr>
+              <a:t>BUT…</a:t>
+            </a:r>
+          </a:p>
+          <a:p>
+            <a:pPr marL="0" lvl="0" indent="0" algn="l">
+              <a:lnSpc>
+                <a:spcPts val="2449"/>
+              </a:lnSpc>
+              <a:spcBef>
+                <a:spcPct val="0"/>
+              </a:spcBef>
+            </a:pPr>
+            <a:endParaRPr lang="en-US" sz="2041" b="1" u="none" strike="noStrike" spc="-40" dirty="0">
+              <a:solidFill>
+                <a:srgbClr val="1C2120"/>
+              </a:solidFill>
+              <a:latin typeface="Poppins Bold"/>
+              <a:ea typeface="Poppins Bold"/>
+              <a:cs typeface="Poppins Bold"/>
+              <a:sym typeface="Poppins Bold"/>
+            </a:endParaRPr>
+          </a:p>
+          <a:p>
+            <a:pPr marL="440739" lvl="1" indent="-220369" algn="l">
+              <a:lnSpc>
+                <a:spcPts val="2449"/>
+              </a:lnSpc>
+              <a:spcBef>
+                <a:spcPct val="0"/>
+              </a:spcBef>
+              <a:buFont typeface="Arial"/>
+              <a:buChar char="•"/>
+            </a:pPr>
+            <a:r>
+              <a:rPr lang="en-US" sz="2041" u="none" strike="noStrike" spc="-40" dirty="0">
+                <a:solidFill>
+                  <a:srgbClr val="1C2120"/>
+                </a:solidFill>
+                <a:latin typeface="Poppins"/>
+                <a:ea typeface="Poppins"/>
+                <a:cs typeface="Poppins"/>
+                <a:sym typeface="Poppins"/>
+              </a:rPr>
+              <a:t>UNSAFE CODE, FFI, AND CONCURRENCY CAN INTRODUCE VULNERABILITIES</a:t>
+            </a:r>
+          </a:p>
+          <a:p>
+            <a:pPr marL="440739" lvl="1" indent="-220369" algn="l">
+              <a:lnSpc>
+                <a:spcPts val="2449"/>
+              </a:lnSpc>
+              <a:spcBef>
+                <a:spcPct val="0"/>
+              </a:spcBef>
+              <a:buFont typeface="Arial"/>
+              <a:buChar char="•"/>
+            </a:pPr>
+            <a:r>
+              <a:rPr lang="en-US" sz="2041" u="none" strike="noStrike" spc="-40" dirty="0">
+                <a:solidFill>
+                  <a:srgbClr val="1C2120"/>
+                </a:solidFill>
+                <a:latin typeface="Poppins"/>
+                <a:ea typeface="Poppins"/>
+                <a:cs typeface="Poppins"/>
+                <a:sym typeface="Poppins"/>
+              </a:rPr>
+              <a:t>SECURITY BUGS LIKE USE-AFTER-FREE OR DATA RACES CAN STILL OCCUR</a:t>
+            </a:r>
+          </a:p>
+          <a:p>
+            <a:pPr marL="0" lvl="0" indent="0" algn="l">
+              <a:lnSpc>
+                <a:spcPts val="2449"/>
+              </a:lnSpc>
+              <a:spcBef>
+                <a:spcPct val="0"/>
+              </a:spcBef>
+            </a:pPr>
+            <a:endParaRPr lang="en-US" sz="2041" u="none" strike="noStrike" spc="-40" dirty="0">
+              <a:solidFill>
+                <a:srgbClr val="1C2120"/>
+              </a:solidFill>
+              <a:latin typeface="Poppins"/>
+              <a:ea typeface="Poppins"/>
+              <a:cs typeface="Poppins"/>
+              <a:sym typeface="Poppins"/>
+            </a:endParaRPr>
+          </a:p>
+          <a:p>
+            <a:pPr marL="0" lvl="0" indent="0" algn="l">
+              <a:lnSpc>
+                <a:spcPts val="2449"/>
+              </a:lnSpc>
+              <a:spcBef>
+                <a:spcPct val="0"/>
+              </a:spcBef>
+            </a:pPr>
+            <a:r>
+              <a:rPr lang="en-US" sz="2041" b="1" u="none" strike="noStrike" spc="-40" dirty="0">
+                <a:solidFill>
+                  <a:srgbClr val="1C2120"/>
+                </a:solidFill>
+                <a:latin typeface="Poppins Bold"/>
+                <a:ea typeface="Poppins Bold"/>
+                <a:cs typeface="Poppins Bold"/>
+                <a:sym typeface="Poppins Bold"/>
+              </a:rPr>
+              <a:t>PROJECT GOAL:</a:t>
+            </a:r>
+          </a:p>
+          <a:p>
+            <a:pPr marL="0" lvl="0" indent="0" algn="l">
+              <a:lnSpc>
+                <a:spcPts val="2449"/>
+              </a:lnSpc>
+              <a:spcBef>
+                <a:spcPct val="0"/>
+              </a:spcBef>
+            </a:pPr>
+            <a:endParaRPr lang="en-US" sz="2041" b="1" u="none" strike="noStrike" spc="-40" dirty="0">
+              <a:solidFill>
+                <a:srgbClr val="1C2120"/>
+              </a:solidFill>
+              <a:latin typeface="Poppins Bold"/>
+              <a:ea typeface="Poppins Bold"/>
+              <a:cs typeface="Poppins Bold"/>
+              <a:sym typeface="Poppins Bold"/>
+            </a:endParaRPr>
+          </a:p>
+          <a:p>
+            <a:pPr marL="440739" lvl="1" indent="-220369" algn="l">
+              <a:lnSpc>
+                <a:spcPts val="2449"/>
+              </a:lnSpc>
+              <a:spcBef>
+                <a:spcPct val="0"/>
+              </a:spcBef>
+              <a:buFont typeface="Arial"/>
+              <a:buChar char="•"/>
+            </a:pPr>
+            <a:r>
+              <a:rPr lang="en-US" sz="2041" u="none" strike="noStrike" spc="-40" dirty="0">
+                <a:solidFill>
+                  <a:srgbClr val="1C2120"/>
+                </a:solidFill>
+                <a:latin typeface="Poppins"/>
+                <a:ea typeface="Poppins"/>
+                <a:cs typeface="Poppins"/>
+                <a:sym typeface="Poppins"/>
+              </a:rPr>
+              <a:t>DETECT AND ANALYZE SYSTEM-LEVEL VULNERABILITIES IN RUST USING DYNAMIC DEBUGGING TOOLS LIKE MIRI, GDB, AND ADDRESSSANITIZER.</a:t>
+            </a:r>
+          </a:p>
+        </p:txBody>
+      </p:sp>
+      <p:sp>
+        <p:nvSpPr>
+          <p:cNvPr id="10" name="TextBox 9">
+            <a:extLst>
+              <a:ext uri="{FF2B5EF4-FFF2-40B4-BE49-F238E27FC236}">
+                <a16:creationId xmlns:a16="http://schemas.microsoft.com/office/drawing/2014/main" id="{BFA4531C-FD29-6F45-CC4A-D87E1A1CABCC}"/>
+              </a:ext>
+            </a:extLst>
+          </p:cNvPr>
+          <p:cNvSpPr txBox="1"/>
+          <p:nvPr/>
+        </p:nvSpPr>
+        <p:spPr>
+          <a:xfrm>
+            <a:off x="9905999" y="1104900"/>
+            <a:ext cx="6417473" cy="698653"/>
+          </a:xfrm>
+          <a:prstGeom prst="rect">
+            <a:avLst/>
+          </a:prstGeom>
+        </p:spPr>
+        <p:txBody>
+          <a:bodyPr wrap="square" lIns="0" tIns="0" rIns="0" bIns="0" rtlCol="0" anchor="t">
+            <a:spAutoFit/>
+          </a:bodyPr>
+          <a:lstStyle/>
+          <a:p>
             <a:pPr marL="0" lvl="0" indent="0" algn="l">
               <a:lnSpc>
                 <a:spcPts val="4757"/>
@@ -13241,7 +14647,7 @@
               </a:spcBef>
             </a:pPr>
             <a:r>
-              <a:rPr lang="en-US" sz="5286" u="none" strike="noStrike" spc="-105">
+              <a:rPr lang="en-US" sz="6600" u="none" strike="noStrike" spc="-105" dirty="0">
                 <a:solidFill>
                   <a:srgbClr val="1C2120"/>
                 </a:solidFill>
@@ -13255,73 +14661,19 @@
           </a:p>
         </p:txBody>
       </p:sp>
-      <p:sp>
-        <p:nvSpPr>
-          <p:cNvPr id="10" name="AutoShape 10"/>
-          <p:cNvSpPr/>
-          <p:nvPr/>
-        </p:nvSpPr>
-        <p:spPr>
-          <a:xfrm>
-            <a:off x="0" y="704643"/>
-            <a:ext cx="18288049" cy="9525"/>
-          </a:xfrm>
-          <a:prstGeom prst="line">
-            <a:avLst/>
-          </a:prstGeom>
-          <a:ln w="19050" cap="flat">
-            <a:solidFill>
-              <a:srgbClr val="8FBBB8"/>
-            </a:solidFill>
-            <a:prstDash val="solid"/>
-            <a:headEnd type="none" w="sm" len="sm"/>
-            <a:tailEnd type="none" w="sm" len="sm"/>
-          </a:ln>
-        </p:spPr>
-        <p:txBody>
-          <a:bodyPr/>
-          <a:lstStyle/>
-          <a:p>
-            <a:endParaRPr lang="en-US"/>
-          </a:p>
-        </p:txBody>
-      </p:sp>
-      <p:sp>
-        <p:nvSpPr>
-          <p:cNvPr id="11" name="AutoShape 11"/>
-          <p:cNvSpPr/>
-          <p:nvPr/>
-        </p:nvSpPr>
-        <p:spPr>
-          <a:xfrm flipV="1">
-            <a:off x="6908964" y="0"/>
-            <a:ext cx="0" cy="10395005"/>
-          </a:xfrm>
-          <a:prstGeom prst="line">
-            <a:avLst/>
-          </a:prstGeom>
-          <a:ln w="19050" cap="flat">
-            <a:solidFill>
-              <a:srgbClr val="8FBBB8"/>
-            </a:solidFill>
-            <a:prstDash val="solid"/>
-            <a:headEnd type="none" w="sm" len="sm"/>
-            <a:tailEnd type="none" w="sm" len="sm"/>
-          </a:ln>
-        </p:spPr>
-        <p:txBody>
-          <a:bodyPr/>
-          <a:lstStyle/>
-          <a:p>
-            <a:endParaRPr lang="en-US"/>
-          </a:p>
-        </p:txBody>
-      </p:sp>
     </p:spTree>
+    <p:extLst>
+      <p:ext uri="{BB962C8B-B14F-4D97-AF65-F5344CB8AC3E}">
+        <p14:creationId xmlns:p14="http://schemas.microsoft.com/office/powerpoint/2010/main" val="3326366003"/>
+      </p:ext>
+    </p:extLst>
   </p:cSld>
   <p:clrMapOvr>
     <a:masterClrMapping/>
   </p:clrMapOvr>
+  <p:transition spd="slow">
+    <p:cover dir="rd"/>
+  </p:transition>
 </p:sld>
 </file>
 
@@ -18779,4 +20131,319 @@
   <a:objectDefaults/>
   <a:extraClrSchemeLst/>
 </a:theme>
+</file>
+
+<file path=ppt/theme/theme2.xml><?xml version="1.0" encoding="utf-8"?>
+<a:theme xmlns:a="http://schemas.openxmlformats.org/drawingml/2006/main" name="Office Theme">
+  <a:themeElements>
+    <a:clrScheme name="Office">
+      <a:dk1>
+        <a:sysClr val="windowText" lastClr="000000"/>
+      </a:dk1>
+      <a:lt1>
+        <a:sysClr val="window" lastClr="FFFFFF"/>
+      </a:lt1>
+      <a:dk2>
+        <a:srgbClr val="0E2841"/>
+      </a:dk2>
+      <a:lt2>
+        <a:srgbClr val="E8E8E8"/>
+      </a:lt2>
+      <a:accent1>
+        <a:srgbClr val="156082"/>
+      </a:accent1>
+      <a:accent2>
+        <a:srgbClr val="E97132"/>
+      </a:accent2>
+      <a:accent3>
+        <a:srgbClr val="196B24"/>
+      </a:accent3>
+      <a:accent4>
+        <a:srgbClr val="0F9ED5"/>
+      </a:accent4>
+      <a:accent5>
+        <a:srgbClr val="A02B93"/>
+      </a:accent5>
+      <a:accent6>
+        <a:srgbClr val="4EA72E"/>
+      </a:accent6>
+      <a:hlink>
+        <a:srgbClr val="467886"/>
+      </a:hlink>
+      <a:folHlink>
+        <a:srgbClr val="96607D"/>
+      </a:folHlink>
+    </a:clrScheme>
+    <a:fontScheme name="Office">
+      <a:majorFont>
+        <a:latin typeface="Aptos Display" panose="02110004020202020204"/>
+        <a:ea typeface=""/>
+        <a:cs typeface=""/>
+        <a:font script="Jpan" typeface="游ゴシック Light"/>
+        <a:font script="Hang" typeface="맑은 고딕"/>
+        <a:font script="Hans" typeface="等线 Light"/>
+        <a:font script="Hant" typeface="新細明體"/>
+        <a:font script="Arab" typeface="Times New Roman"/>
+        <a:font script="Hebr" typeface="Times New Roman"/>
+        <a:font script="Thai" typeface="Angsana New"/>
+        <a:font script="Ethi" typeface="Nyala"/>
+        <a:font script="Beng" typeface="Vrinda"/>
+        <a:font script="Gujr" typeface="Shruti"/>
+        <a:font script="Khmr" typeface="MoolBoran"/>
+        <a:font script="Knda" typeface="Tunga"/>
+        <a:font script="Guru" typeface="Raavi"/>
+        <a:font script="Cans" typeface="Euphemia"/>
+        <a:font script="Cher" typeface="Plantagenet Cherokee"/>
+        <a:font script="Yiii" typeface="Microsoft Yi Baiti"/>
+        <a:font script="Tibt" typeface="Microsoft Himalaya"/>
+        <a:font script="Thaa" typeface="MV Boli"/>
+        <a:font script="Deva" typeface="Mangal"/>
+        <a:font script="Telu" typeface="Gautami"/>
+        <a:font script="Taml" typeface="Latha"/>
+        <a:font script="Syrc" typeface="Estrangelo Edessa"/>
+        <a:font script="Orya" typeface="Kalinga"/>
+        <a:font script="Mlym" typeface="Kartika"/>
+        <a:font script="Laoo" typeface="DokChampa"/>
+        <a:font script="Sinh" typeface="Iskoola Pota"/>
+        <a:font script="Mong" typeface="Mongolian Baiti"/>
+        <a:font script="Viet" typeface="Times New Roman"/>
+        <a:font script="Uigh" typeface="Microsoft Uighur"/>
+        <a:font script="Geor" typeface="Sylfaen"/>
+        <a:font script="Armn" typeface="Arial"/>
+        <a:font script="Bugi" typeface="Leelawadee UI"/>
+        <a:font script="Bopo" typeface="Microsoft JhengHei"/>
+        <a:font script="Java" typeface="Javanese Text"/>
+        <a:font script="Lisu" typeface="Segoe UI"/>
+        <a:font script="Mymr" typeface="Myanmar Text"/>
+        <a:font script="Nkoo" typeface="Ebrima"/>
+        <a:font script="Olck" typeface="Nirmala UI"/>
+        <a:font script="Osma" typeface="Ebrima"/>
+        <a:font script="Phag" typeface="Phagspa"/>
+        <a:font script="Syrn" typeface="Estrangelo Edessa"/>
+        <a:font script="Syrj" typeface="Estrangelo Edessa"/>
+        <a:font script="Syre" typeface="Estrangelo Edessa"/>
+        <a:font script="Sora" typeface="Nirmala UI"/>
+        <a:font script="Tale" typeface="Microsoft Tai Le"/>
+        <a:font script="Talu" typeface="Microsoft New Tai Lue"/>
+        <a:font script="Tfng" typeface="Ebrima"/>
+      </a:majorFont>
+      <a:minorFont>
+        <a:latin typeface="Aptos" panose="02110004020202020204"/>
+        <a:ea typeface=""/>
+        <a:cs typeface=""/>
+        <a:font script="Jpan" typeface="游ゴシック"/>
+        <a:font script="Hang" typeface="맑은 고딕"/>
+        <a:font script="Hans" typeface="等线"/>
+        <a:font script="Hant" typeface="新細明體"/>
+        <a:font script="Arab" typeface="Arial"/>
+        <a:font script="Hebr" typeface="Arial"/>
+        <a:font script="Thai" typeface="Cordia New"/>
+        <a:font script="Ethi" typeface="Nyala"/>
+        <a:font script="Beng" typeface="Vrinda"/>
+        <a:font script="Gujr" typeface="Shruti"/>
+        <a:font script="Khmr" typeface="DaunPenh"/>
+        <a:font script="Knda" typeface="Tunga"/>
+        <a:font script="Guru" typeface="Raavi"/>
+        <a:font script="Cans" typeface="Euphemia"/>
+        <a:font script="Cher" typeface="Plantagenet Cherokee"/>
+        <a:font script="Yiii" typeface="Microsoft Yi Baiti"/>
+        <a:font script="Tibt" typeface="Microsoft Himalaya"/>
+        <a:font script="Thaa" typeface="MV Boli"/>
+        <a:font script="Deva" typeface="Mangal"/>
+        <a:font script="Telu" typeface="Gautami"/>
+        <a:font script="Taml" typeface="Latha"/>
+        <a:font script="Syrc" typeface="Estrangelo Edessa"/>
+        <a:font script="Orya" typeface="Kalinga"/>
+        <a:font script="Mlym" typeface="Kartika"/>
+        <a:font script="Laoo" typeface="DokChampa"/>
+        <a:font script="Sinh" typeface="Iskoola Pota"/>
+        <a:font script="Mong" typeface="Mongolian Baiti"/>
+        <a:font script="Viet" typeface="Arial"/>
+        <a:font script="Uigh" typeface="Microsoft Uighur"/>
+        <a:font script="Geor" typeface="Sylfaen"/>
+        <a:font script="Armn" typeface="Arial"/>
+        <a:font script="Bugi" typeface="Leelawadee UI"/>
+        <a:font script="Bopo" typeface="Microsoft JhengHei"/>
+        <a:font script="Java" typeface="Javanese Text"/>
+        <a:font script="Lisu" typeface="Segoe UI"/>
+        <a:font script="Mymr" typeface="Myanmar Text"/>
+        <a:font script="Nkoo" typeface="Ebrima"/>
+        <a:font script="Olck" typeface="Nirmala UI"/>
+        <a:font script="Osma" typeface="Ebrima"/>
+        <a:font script="Phag" typeface="Phagspa"/>
+        <a:font script="Syrn" typeface="Estrangelo Edessa"/>
+        <a:font script="Syrj" typeface="Estrangelo Edessa"/>
+        <a:font script="Syre" typeface="Estrangelo Edessa"/>
+        <a:font script="Sora" typeface="Nirmala UI"/>
+        <a:font script="Tale" typeface="Microsoft Tai Le"/>
+        <a:font script="Talu" typeface="Microsoft New Tai Lue"/>
+        <a:font script="Tfng" typeface="Ebrima"/>
+      </a:minorFont>
+    </a:fontScheme>
+    <a:fmtScheme name="Office">
+      <a:fillStyleLst>
+        <a:solidFill>
+          <a:schemeClr val="phClr"/>
+        </a:solidFill>
+        <a:gradFill rotWithShape="1">
+          <a:gsLst>
+            <a:gs pos="0">
+              <a:schemeClr val="phClr">
+                <a:lumMod val="110000"/>
+                <a:satMod val="105000"/>
+                <a:tint val="67000"/>
+              </a:schemeClr>
+            </a:gs>
+            <a:gs pos="50000">
+              <a:schemeClr val="phClr">
+                <a:lumMod val="105000"/>
+                <a:satMod val="103000"/>
+                <a:tint val="73000"/>
+              </a:schemeClr>
+            </a:gs>
+            <a:gs pos="100000">
+              <a:schemeClr val="phClr">
+                <a:lumMod val="105000"/>
+                <a:satMod val="109000"/>
+                <a:tint val="81000"/>
+              </a:schemeClr>
+            </a:gs>
+          </a:gsLst>
+          <a:lin ang="5400000" scaled="0"/>
+        </a:gradFill>
+        <a:gradFill rotWithShape="1">
+          <a:gsLst>
+            <a:gs pos="0">
+              <a:schemeClr val="phClr">
+                <a:satMod val="103000"/>
+                <a:lumMod val="102000"/>
+                <a:tint val="94000"/>
+              </a:schemeClr>
+            </a:gs>
+            <a:gs pos="50000">
+              <a:schemeClr val="phClr">
+                <a:satMod val="110000"/>
+                <a:lumMod val="100000"/>
+                <a:shade val="100000"/>
+              </a:schemeClr>
+            </a:gs>
+            <a:gs pos="100000">
+              <a:schemeClr val="phClr">
+                <a:lumMod val="99000"/>
+                <a:satMod val="120000"/>
+                <a:shade val="78000"/>
+              </a:schemeClr>
+            </a:gs>
+          </a:gsLst>
+          <a:lin ang="5400000" scaled="0"/>
+        </a:gradFill>
+      </a:fillStyleLst>
+      <a:lnStyleLst>
+        <a:ln w="12700" cap="flat" cmpd="sng" algn="ctr">
+          <a:solidFill>
+            <a:schemeClr val="phClr"/>
+          </a:solidFill>
+          <a:prstDash val="solid"/>
+          <a:miter lim="800000"/>
+        </a:ln>
+        <a:ln w="19050" cap="flat" cmpd="sng" algn="ctr">
+          <a:solidFill>
+            <a:schemeClr val="phClr"/>
+          </a:solidFill>
+          <a:prstDash val="solid"/>
+          <a:miter lim="800000"/>
+        </a:ln>
+        <a:ln w="25400" cap="flat" cmpd="sng" algn="ctr">
+          <a:solidFill>
+            <a:schemeClr val="phClr"/>
+          </a:solidFill>
+          <a:prstDash val="solid"/>
+          <a:miter lim="800000"/>
+        </a:ln>
+      </a:lnStyleLst>
+      <a:effectStyleLst>
+        <a:effectStyle>
+          <a:effectLst/>
+        </a:effectStyle>
+        <a:effectStyle>
+          <a:effectLst/>
+        </a:effectStyle>
+        <a:effectStyle>
+          <a:effectLst>
+            <a:outerShdw blurRad="57150" dist="19050" dir="5400000" algn="ctr" rotWithShape="0">
+              <a:srgbClr val="000000">
+                <a:alpha val="63000"/>
+              </a:srgbClr>
+            </a:outerShdw>
+          </a:effectLst>
+        </a:effectStyle>
+      </a:effectStyleLst>
+      <a:bgFillStyleLst>
+        <a:solidFill>
+          <a:schemeClr val="phClr"/>
+        </a:solidFill>
+        <a:solidFill>
+          <a:schemeClr val="phClr">
+            <a:tint val="95000"/>
+            <a:satMod val="170000"/>
+          </a:schemeClr>
+        </a:solidFill>
+        <a:gradFill rotWithShape="1">
+          <a:gsLst>
+            <a:gs pos="0">
+              <a:schemeClr val="phClr">
+                <a:tint val="93000"/>
+                <a:satMod val="150000"/>
+                <a:shade val="98000"/>
+                <a:lumMod val="102000"/>
+              </a:schemeClr>
+            </a:gs>
+            <a:gs pos="50000">
+              <a:schemeClr val="phClr">
+                <a:tint val="98000"/>
+                <a:satMod val="130000"/>
+                <a:shade val="90000"/>
+                <a:lumMod val="103000"/>
+              </a:schemeClr>
+            </a:gs>
+            <a:gs pos="100000">
+              <a:schemeClr val="phClr">
+                <a:shade val="63000"/>
+                <a:satMod val="120000"/>
+              </a:schemeClr>
+            </a:gs>
+          </a:gsLst>
+          <a:lin ang="5400000" scaled="0"/>
+        </a:gradFill>
+      </a:bgFillStyleLst>
+    </a:fmtScheme>
+  </a:themeElements>
+  <a:objectDefaults>
+    <a:lnDef>
+      <a:spPr/>
+      <a:bodyPr/>
+      <a:lstStyle/>
+      <a:style>
+        <a:lnRef idx="2">
+          <a:schemeClr val="accent1"/>
+        </a:lnRef>
+        <a:fillRef idx="0">
+          <a:schemeClr val="accent1"/>
+        </a:fillRef>
+        <a:effectRef idx="1">
+          <a:schemeClr val="accent1"/>
+        </a:effectRef>
+        <a:fontRef idx="minor">
+          <a:schemeClr val="tx1"/>
+        </a:fontRef>
+      </a:style>
+    </a:lnDef>
+  </a:objectDefaults>
+  <a:extraClrSchemeLst/>
+  <a:extLst>
+    <a:ext uri="{05A4C25C-085E-4340-85A3-A5531E510DB2}">
+      <thm15:themeFamily xmlns:thm15="http://schemas.microsoft.com/office/thememl/2012/main" name="Office Theme" id="{2E142A2C-CD16-42D6-873A-C26D2A0506FA}" vid="{1BDDFF52-6CD6-40A5-AB3C-68EB2F1E4D0A}"/>
+    </a:ext>
+  </a:extLst>
+</a:theme>
 </file>